--- a/study/elasticsearch/Elasticsearch스터디3주차자료.pptx
+++ b/study/elasticsearch/Elasticsearch스터디3주차자료.pptx
@@ -19,25 +19,26 @@
     <p:sldId id="298" r:id="rId13"/>
     <p:sldId id="297" r:id="rId14"/>
     <p:sldId id="299" r:id="rId15"/>
-    <p:sldId id="301" r:id="rId16"/>
-    <p:sldId id="302" r:id="rId17"/>
-    <p:sldId id="303" r:id="rId18"/>
-    <p:sldId id="305" r:id="rId19"/>
-    <p:sldId id="304" r:id="rId20"/>
-    <p:sldId id="306" r:id="rId21"/>
-    <p:sldId id="307" r:id="rId22"/>
-    <p:sldId id="308" r:id="rId23"/>
-    <p:sldId id="309" r:id="rId24"/>
-    <p:sldId id="310" r:id="rId25"/>
-    <p:sldId id="311" r:id="rId26"/>
-    <p:sldId id="312" r:id="rId27"/>
-    <p:sldId id="313" r:id="rId28"/>
-    <p:sldId id="314" r:id="rId29"/>
-    <p:sldId id="315" r:id="rId30"/>
-    <p:sldId id="316" r:id="rId31"/>
-    <p:sldId id="317" r:id="rId32"/>
-    <p:sldId id="318" r:id="rId33"/>
-    <p:sldId id="284" r:id="rId34"/>
+    <p:sldId id="319" r:id="rId16"/>
+    <p:sldId id="301" r:id="rId17"/>
+    <p:sldId id="302" r:id="rId18"/>
+    <p:sldId id="303" r:id="rId19"/>
+    <p:sldId id="305" r:id="rId20"/>
+    <p:sldId id="304" r:id="rId21"/>
+    <p:sldId id="306" r:id="rId22"/>
+    <p:sldId id="307" r:id="rId23"/>
+    <p:sldId id="308" r:id="rId24"/>
+    <p:sldId id="309" r:id="rId25"/>
+    <p:sldId id="310" r:id="rId26"/>
+    <p:sldId id="311" r:id="rId27"/>
+    <p:sldId id="312" r:id="rId28"/>
+    <p:sldId id="313" r:id="rId29"/>
+    <p:sldId id="314" r:id="rId30"/>
+    <p:sldId id="315" r:id="rId31"/>
+    <p:sldId id="316" r:id="rId32"/>
+    <p:sldId id="317" r:id="rId33"/>
+    <p:sldId id="318" r:id="rId34"/>
+    <p:sldId id="284" r:id="rId35"/>
   </p:sldIdLst>
   <p:sldSz cx="12192000" cy="6858000"/>
   <p:notesSz cx="6858000" cy="9144000"/>
@@ -275,7 +276,7 @@
           <a:p>
             <a:fld id="{457A9071-30A6-4759-8A01-F11307EE4F18}" type="datetimeFigureOut">
               <a:rPr lang="ko-KR" altLang="en-US" smtClean="0"/>
-              <a:t>2021-03-07</a:t>
+              <a:t>2021-03-09</a:t>
             </a:fld>
             <a:endParaRPr lang="ko-KR" altLang="en-US"/>
           </a:p>
@@ -445,7 +446,7 @@
           <a:p>
             <a:fld id="{457A9071-30A6-4759-8A01-F11307EE4F18}" type="datetimeFigureOut">
               <a:rPr lang="ko-KR" altLang="en-US" smtClean="0"/>
-              <a:t>2021-03-07</a:t>
+              <a:t>2021-03-09</a:t>
             </a:fld>
             <a:endParaRPr lang="ko-KR" altLang="en-US"/>
           </a:p>
@@ -625,7 +626,7 @@
           <a:p>
             <a:fld id="{457A9071-30A6-4759-8A01-F11307EE4F18}" type="datetimeFigureOut">
               <a:rPr lang="ko-KR" altLang="en-US" smtClean="0"/>
-              <a:t>2021-03-07</a:t>
+              <a:t>2021-03-09</a:t>
             </a:fld>
             <a:endParaRPr lang="ko-KR" altLang="en-US"/>
           </a:p>
@@ -795,7 +796,7 @@
           <a:p>
             <a:fld id="{457A9071-30A6-4759-8A01-F11307EE4F18}" type="datetimeFigureOut">
               <a:rPr lang="ko-KR" altLang="en-US" smtClean="0"/>
-              <a:t>2021-03-07</a:t>
+              <a:t>2021-03-09</a:t>
             </a:fld>
             <a:endParaRPr lang="ko-KR" altLang="en-US"/>
           </a:p>
@@ -1041,7 +1042,7 @@
           <a:p>
             <a:fld id="{457A9071-30A6-4759-8A01-F11307EE4F18}" type="datetimeFigureOut">
               <a:rPr lang="ko-KR" altLang="en-US" smtClean="0"/>
-              <a:t>2021-03-07</a:t>
+              <a:t>2021-03-09</a:t>
             </a:fld>
             <a:endParaRPr lang="ko-KR" altLang="en-US"/>
           </a:p>
@@ -1273,7 +1274,7 @@
           <a:p>
             <a:fld id="{457A9071-30A6-4759-8A01-F11307EE4F18}" type="datetimeFigureOut">
               <a:rPr lang="ko-KR" altLang="en-US" smtClean="0"/>
-              <a:t>2021-03-07</a:t>
+              <a:t>2021-03-09</a:t>
             </a:fld>
             <a:endParaRPr lang="ko-KR" altLang="en-US"/>
           </a:p>
@@ -1640,7 +1641,7 @@
           <a:p>
             <a:fld id="{457A9071-30A6-4759-8A01-F11307EE4F18}" type="datetimeFigureOut">
               <a:rPr lang="ko-KR" altLang="en-US" smtClean="0"/>
-              <a:t>2021-03-07</a:t>
+              <a:t>2021-03-09</a:t>
             </a:fld>
             <a:endParaRPr lang="ko-KR" altLang="en-US"/>
           </a:p>
@@ -1758,7 +1759,7 @@
           <a:p>
             <a:fld id="{457A9071-30A6-4759-8A01-F11307EE4F18}" type="datetimeFigureOut">
               <a:rPr lang="ko-KR" altLang="en-US" smtClean="0"/>
-              <a:t>2021-03-07</a:t>
+              <a:t>2021-03-09</a:t>
             </a:fld>
             <a:endParaRPr lang="ko-KR" altLang="en-US"/>
           </a:p>
@@ -1853,7 +1854,7 @@
           <a:p>
             <a:fld id="{457A9071-30A6-4759-8A01-F11307EE4F18}" type="datetimeFigureOut">
               <a:rPr lang="ko-KR" altLang="en-US" smtClean="0"/>
-              <a:t>2021-03-07</a:t>
+              <a:t>2021-03-09</a:t>
             </a:fld>
             <a:endParaRPr lang="ko-KR" altLang="en-US"/>
           </a:p>
@@ -2130,7 +2131,7 @@
           <a:p>
             <a:fld id="{457A9071-30A6-4759-8A01-F11307EE4F18}" type="datetimeFigureOut">
               <a:rPr lang="ko-KR" altLang="en-US" smtClean="0"/>
-              <a:t>2021-03-07</a:t>
+              <a:t>2021-03-09</a:t>
             </a:fld>
             <a:endParaRPr lang="ko-KR" altLang="en-US"/>
           </a:p>
@@ -2383,7 +2384,7 @@
           <a:p>
             <a:fld id="{457A9071-30A6-4759-8A01-F11307EE4F18}" type="datetimeFigureOut">
               <a:rPr lang="ko-KR" altLang="en-US" smtClean="0"/>
-              <a:t>2021-03-07</a:t>
+              <a:t>2021-03-09</a:t>
             </a:fld>
             <a:endParaRPr lang="ko-KR" altLang="en-US"/>
           </a:p>
@@ -2599,7 +2600,7 @@
           <a:p>
             <a:fld id="{457A9071-30A6-4759-8A01-F11307EE4F18}" type="datetimeFigureOut">
               <a:rPr lang="ko-KR" altLang="en-US" smtClean="0"/>
-              <a:t>2021-03-07</a:t>
+              <a:t>2021-03-09</a:t>
             </a:fld>
             <a:endParaRPr lang="ko-KR" altLang="en-US"/>
           </a:p>
@@ -4929,15 +4930,7 @@
             </a:r>
             <a:r>
               <a:rPr lang="ko-KR" altLang="en-US" smtClean="0"/>
-              <a:t>만큼 얻어올 때 </a:t>
-            </a:r>
-            <a:r>
-              <a:rPr lang="ko-KR" altLang="en-US" smtClean="0"/>
-              <a:t>사</a:t>
-            </a:r>
-            <a:r>
-              <a:rPr lang="ko-KR" altLang="en-US" smtClean="0"/>
-              <a:t>용</a:t>
+              <a:t>만큼 얻어올 때 사용</a:t>
             </a:r>
             <a:endParaRPr lang="en-US" altLang="ko-KR" smtClean="0"/>
           </a:p>
@@ -5272,7 +5265,7 @@
         <p:spPr>
           <a:xfrm>
             <a:off x="491490" y="948774"/>
-            <a:ext cx="621389" cy="369332"/>
+            <a:ext cx="3760260" cy="369332"/>
           </a:xfrm>
           <a:prstGeom prst="rect">
             <a:avLst/>
@@ -5287,7 +5280,15 @@
           <a:p>
             <a:r>
               <a:rPr lang="en-US" altLang="ko-KR" b="1" smtClean="0"/>
-              <a:t>sort</a:t>
+              <a:t>from/size </a:t>
+            </a:r>
+            <a:r>
+              <a:rPr lang="ko-KR" altLang="en-US" b="1" smtClean="0"/>
+              <a:t>와 </a:t>
+            </a:r>
+            <a:r>
+              <a:rPr lang="en-US" altLang="ko-KR" b="1" smtClean="0"/>
+              <a:t>max_result_window</a:t>
             </a:r>
             <a:endParaRPr lang="ko-KR" altLang="en-US" b="1"/>
           </a:p>
@@ -5295,125 +5296,18 @@
       </p:sp>
       <p:sp>
         <p:nvSpPr>
-          <p:cNvPr id="18" name="TextBox 17"/>
-          <p:cNvSpPr txBox="1"/>
-          <p:nvPr/>
-        </p:nvSpPr>
-        <p:spPr>
-          <a:xfrm>
-            <a:off x="623843" y="1486763"/>
-            <a:ext cx="9238363" cy="1200329"/>
-          </a:xfrm>
-          <a:prstGeom prst="rect">
-            <a:avLst/>
-          </a:prstGeom>
-          <a:noFill/>
-        </p:spPr>
-        <p:txBody>
-          <a:bodyPr wrap="none" rtlCol="0">
-            <a:spAutoFit/>
-          </a:bodyPr>
-          <a:lstStyle/>
-          <a:p>
-            <a:pPr marL="285750" indent="-285750">
-              <a:buFont typeface="Arial" panose="020B0604020202020204" pitchFamily="34" charset="0"/>
-              <a:buChar char="•"/>
-            </a:pPr>
-            <a:r>
-              <a:rPr lang="ko-KR" altLang="en-US"/>
-              <a:t>검색 결과를 특정 필드 기준으로 정렬할 때 사용</a:t>
-            </a:r>
-          </a:p>
-          <a:p>
-            <a:pPr marL="285750" indent="-285750">
-              <a:buFont typeface="Arial" panose="020B0604020202020204" pitchFamily="34" charset="0"/>
-              <a:buChar char="•"/>
-            </a:pPr>
-            <a:r>
-              <a:rPr lang="en-US" altLang="ko-KR" smtClean="0"/>
-              <a:t>ES</a:t>
-            </a:r>
-            <a:r>
-              <a:rPr lang="ko-KR" altLang="en-US" smtClean="0"/>
-              <a:t>는 기본적으로 검색어를 바탕으로 계산된 </a:t>
-            </a:r>
-            <a:r>
-              <a:rPr lang="en-US" altLang="ko-KR" smtClean="0"/>
-              <a:t>score</a:t>
-            </a:r>
-            <a:r>
-              <a:rPr lang="ko-KR" altLang="en-US" smtClean="0"/>
-              <a:t>가 가장 높은 문서를 기준으로 정렬</a:t>
-            </a:r>
-            <a:endParaRPr lang="en-US" altLang="ko-KR" smtClean="0"/>
-          </a:p>
-          <a:p>
-            <a:pPr marL="285750" indent="-285750">
-              <a:buFont typeface="Arial" panose="020B0604020202020204" pitchFamily="34" charset="0"/>
-              <a:buChar char="•"/>
-            </a:pPr>
-            <a:r>
-              <a:rPr lang="en-US" altLang="ko-KR" smtClean="0"/>
-              <a:t>sort</a:t>
-            </a:r>
-            <a:r>
-              <a:rPr lang="ko-KR" altLang="en-US" smtClean="0"/>
-              <a:t>는 </a:t>
-            </a:r>
-            <a:r>
-              <a:rPr lang="en-US" altLang="ko-KR" smtClean="0"/>
-              <a:t>keyword</a:t>
-            </a:r>
-            <a:r>
-              <a:rPr lang="ko-KR" altLang="en-US" smtClean="0"/>
-              <a:t>나 </a:t>
-            </a:r>
-            <a:r>
-              <a:rPr lang="en-US" altLang="ko-KR" smtClean="0"/>
-              <a:t>integer</a:t>
-            </a:r>
-            <a:r>
-              <a:rPr lang="ko-KR" altLang="en-US" smtClean="0"/>
-              <a:t>와 같이 </a:t>
-            </a:r>
-            <a:r>
-              <a:rPr lang="en-US" altLang="ko-KR" smtClean="0"/>
-              <a:t>not analyzed </a:t>
-            </a:r>
-            <a:r>
-              <a:rPr lang="ko-KR" altLang="en-US" smtClean="0"/>
-              <a:t>필드를 기준으로 해야 함</a:t>
-            </a:r>
-          </a:p>
-          <a:p>
-            <a:pPr marL="285750" indent="-285750">
-              <a:buFont typeface="Arial" panose="020B0604020202020204" pitchFamily="34" charset="0"/>
-              <a:buChar char="•"/>
-            </a:pPr>
-            <a:endParaRPr lang="en-US" altLang="ko-KR"/>
-          </a:p>
-        </p:txBody>
-      </p:sp>
-      <p:sp>
-        <p:nvSpPr>
-          <p:cNvPr id="10" name="모서리가 둥근 직사각형 9"/>
+          <p:cNvPr id="7" name="모서리가 둥근 직사각형 6"/>
           <p:cNvSpPr/>
           <p:nvPr/>
         </p:nvSpPr>
         <p:spPr>
           <a:xfrm>
-            <a:off x="491489" y="2592562"/>
-            <a:ext cx="11234345" cy="2977292"/>
+            <a:off x="4174164" y="1718120"/>
+            <a:ext cx="2474790" cy="1399592"/>
           </a:xfrm>
           <a:prstGeom prst="roundRect">
             <a:avLst/>
           </a:prstGeom>
-          <a:solidFill>
-            <a:schemeClr val="tx1">
-              <a:lumMod val="65000"/>
-              <a:lumOff val="35000"/>
-            </a:schemeClr>
-          </a:solidFill>
         </p:spPr>
         <p:style>
           <a:lnRef idx="2">
@@ -5435,71 +5329,831 @@
           <a:bodyPr rtlCol="0" anchor="ctr"/>
           <a:lstStyle/>
           <a:p>
-            <a:r>
-              <a:rPr lang="en-US" altLang="ko-KR"/>
-              <a:t>curl -X GET "localhost:9200/book_data/_search?pretty" \</a:t>
-            </a:r>
-          </a:p>
-          <a:p>
-            <a:r>
-              <a:rPr lang="en-US" altLang="ko-KR"/>
-              <a:t>-H 'Content-Type: application/json' \</a:t>
-            </a:r>
-          </a:p>
-          <a:p>
-            <a:r>
-              <a:rPr lang="en-US" altLang="ko-KR"/>
-              <a:t>-d '{</a:t>
-            </a:r>
-          </a:p>
-          <a:p>
-            <a:r>
-              <a:rPr lang="en-US" altLang="ko-KR"/>
-              <a:t>  "sort": [</a:t>
-            </a:r>
-          </a:p>
-          <a:p>
-            <a:r>
-              <a:rPr lang="en-US" altLang="ko-KR"/>
-              <a:t>    {"ISBN.keyword": "desc"}</a:t>
-            </a:r>
-          </a:p>
-          <a:p>
-            <a:r>
-              <a:rPr lang="en-US" altLang="ko-KR"/>
-              <a:t>  ],</a:t>
-            </a:r>
-          </a:p>
-          <a:p>
-            <a:r>
-              <a:rPr lang="en-US" altLang="ko-KR"/>
-              <a:t>  "query": {</a:t>
-            </a:r>
-          </a:p>
-          <a:p>
-            <a:r>
-              <a:rPr lang="en-US" altLang="ko-KR"/>
-              <a:t>    "term": {"title": "nginx"}</a:t>
-            </a:r>
-          </a:p>
-          <a:p>
-            <a:r>
-              <a:rPr lang="en-US" altLang="ko-KR"/>
-              <a:t>  }</a:t>
-            </a:r>
-          </a:p>
-          <a:p>
-            <a:r>
-              <a:rPr lang="en-US" altLang="ko-KR"/>
-              <a:t>}'</a:t>
-            </a:r>
+            <a:pPr algn="ctr"/>
+            <a:endParaRPr lang="en-US" altLang="ko-KR" smtClean="0"/>
+          </a:p>
+        </p:txBody>
+      </p:sp>
+      <p:sp>
+        <p:nvSpPr>
+          <p:cNvPr id="8" name="모서리가 둥근 직사각형 7"/>
+          <p:cNvSpPr/>
+          <p:nvPr/>
+        </p:nvSpPr>
+        <p:spPr>
+          <a:xfrm>
+            <a:off x="4670192" y="1978331"/>
+            <a:ext cx="1325860" cy="877078"/>
+          </a:xfrm>
+          <a:prstGeom prst="roundRect">
+            <a:avLst/>
+          </a:prstGeom>
+          <a:solidFill>
+            <a:schemeClr val="accent6">
+              <a:lumMod val="75000"/>
+            </a:schemeClr>
+          </a:solidFill>
+        </p:spPr>
+        <p:style>
+          <a:lnRef idx="2">
+            <a:schemeClr val="accent1">
+              <a:shade val="50000"/>
+            </a:schemeClr>
+          </a:lnRef>
+          <a:fillRef idx="1">
+            <a:schemeClr val="accent1"/>
+          </a:fillRef>
+          <a:effectRef idx="0">
+            <a:schemeClr val="accent1"/>
+          </a:effectRef>
+          <a:fontRef idx="minor">
+            <a:schemeClr val="lt1"/>
+          </a:fontRef>
+        </p:style>
+        <p:txBody>
+          <a:bodyPr rtlCol="0" anchor="ctr"/>
+          <a:lstStyle/>
+          <a:p>
+            <a:pPr algn="ctr"/>
+            <a:r>
+              <a:rPr lang="en-US" altLang="ko-KR" smtClean="0"/>
+              <a:t>Primary Shard</a:t>
+            </a:r>
+            <a:endParaRPr lang="ko-KR" altLang="en-US"/>
+          </a:p>
+        </p:txBody>
+      </p:sp>
+      <p:sp>
+        <p:nvSpPr>
+          <p:cNvPr id="9" name="TextBox 8"/>
+          <p:cNvSpPr txBox="1"/>
+          <p:nvPr/>
+        </p:nvSpPr>
+        <p:spPr>
+          <a:xfrm>
+            <a:off x="6116436" y="2309154"/>
+            <a:ext cx="532518" cy="369332"/>
+          </a:xfrm>
+          <a:prstGeom prst="rect">
+            <a:avLst/>
+          </a:prstGeom>
+          <a:noFill/>
+        </p:spPr>
+        <p:txBody>
+          <a:bodyPr wrap="square" rtlCol="0">
+            <a:spAutoFit/>
+          </a:bodyPr>
+          <a:lstStyle/>
+          <a:p>
+            <a:r>
+              <a:rPr lang="en-US" altLang="ko-KR" smtClean="0"/>
+              <a:t>X 5</a:t>
+            </a:r>
+            <a:endParaRPr lang="ko-KR" altLang="en-US"/>
+          </a:p>
+        </p:txBody>
+      </p:sp>
+      <p:cxnSp>
+        <p:nvCxnSpPr>
+          <p:cNvPr id="23" name="직선 화살표 연결선 22"/>
+          <p:cNvCxnSpPr/>
+          <p:nvPr/>
+        </p:nvCxnSpPr>
+        <p:spPr>
+          <a:xfrm>
+            <a:off x="2481943" y="2410503"/>
+            <a:ext cx="1347615" cy="0"/>
+          </a:xfrm>
+          <a:prstGeom prst="straightConnector1">
+            <a:avLst/>
+          </a:prstGeom>
+          <a:ln>
+            <a:tailEnd type="triangle"/>
+          </a:ln>
+        </p:spPr>
+        <p:style>
+          <a:lnRef idx="1">
+            <a:schemeClr val="accent1"/>
+          </a:lnRef>
+          <a:fillRef idx="0">
+            <a:schemeClr val="accent1"/>
+          </a:fillRef>
+          <a:effectRef idx="0">
+            <a:schemeClr val="accent1"/>
+          </a:effectRef>
+          <a:fontRef idx="minor">
+            <a:schemeClr val="tx1"/>
+          </a:fontRef>
+        </p:style>
+      </p:cxnSp>
+      <p:sp>
+        <p:nvSpPr>
+          <p:cNvPr id="24" name="모서리가 둥근 직사각형 23"/>
+          <p:cNvSpPr/>
+          <p:nvPr/>
+        </p:nvSpPr>
+        <p:spPr>
+          <a:xfrm>
+            <a:off x="468541" y="1552594"/>
+            <a:ext cx="1893018" cy="1677178"/>
+          </a:xfrm>
+          <a:prstGeom prst="roundRect">
+            <a:avLst/>
+          </a:prstGeom>
+          <a:solidFill>
+            <a:schemeClr val="tx1">
+              <a:lumMod val="65000"/>
+              <a:lumOff val="35000"/>
+            </a:schemeClr>
+          </a:solidFill>
+        </p:spPr>
+        <p:style>
+          <a:lnRef idx="2">
+            <a:schemeClr val="accent1">
+              <a:shade val="50000"/>
+            </a:schemeClr>
+          </a:lnRef>
+          <a:fillRef idx="1">
+            <a:schemeClr val="accent1"/>
+          </a:fillRef>
+          <a:effectRef idx="0">
+            <a:schemeClr val="accent1"/>
+          </a:effectRef>
+          <a:fontRef idx="minor">
+            <a:schemeClr val="lt1"/>
+          </a:fontRef>
+        </p:style>
+        <p:txBody>
+          <a:bodyPr rtlCol="0" anchor="ctr"/>
+          <a:lstStyle/>
+          <a:p>
+            <a:r>
+              <a:rPr lang="en-US" altLang="ko-KR" smtClean="0"/>
+              <a:t>/_search</a:t>
+            </a:r>
+          </a:p>
+          <a:p>
+            <a:r>
+              <a:rPr lang="en-US" altLang="ko-KR" smtClean="0"/>
+              <a:t>{</a:t>
+            </a:r>
+          </a:p>
+          <a:p>
+            <a:r>
+              <a:rPr lang="en-US" altLang="ko-KR"/>
+              <a:t> "from": 0,</a:t>
+            </a:r>
+          </a:p>
+          <a:p>
+            <a:r>
+              <a:rPr lang="en-US" altLang="ko-KR"/>
+              <a:t>  "size": </a:t>
+            </a:r>
+            <a:r>
+              <a:rPr lang="en-US" altLang="ko-KR" smtClean="0"/>
+              <a:t>10,</a:t>
+            </a:r>
+            <a:endParaRPr lang="en-US" altLang="ko-KR"/>
+          </a:p>
+          <a:p>
+            <a:r>
+              <a:rPr lang="en-US" altLang="ko-KR" smtClean="0"/>
+              <a:t>}</a:t>
+            </a:r>
+            <a:endParaRPr lang="en-US" altLang="ko-KR"/>
+          </a:p>
+        </p:txBody>
+      </p:sp>
+      <p:sp>
+        <p:nvSpPr>
+          <p:cNvPr id="27" name="TextBox 26"/>
+          <p:cNvSpPr txBox="1"/>
+          <p:nvPr/>
+        </p:nvSpPr>
+        <p:spPr>
+          <a:xfrm>
+            <a:off x="2862785" y="2082213"/>
+            <a:ext cx="646331" cy="369332"/>
+          </a:xfrm>
+          <a:prstGeom prst="rect">
+            <a:avLst/>
+          </a:prstGeom>
+          <a:noFill/>
+        </p:spPr>
+        <p:txBody>
+          <a:bodyPr wrap="none" rtlCol="0">
+            <a:spAutoFit/>
+          </a:bodyPr>
+          <a:lstStyle/>
+          <a:p>
+            <a:r>
+              <a:rPr lang="ko-KR" altLang="en-US" smtClean="0"/>
+              <a:t>검색</a:t>
+            </a:r>
+            <a:endParaRPr lang="ko-KR" altLang="en-US"/>
+          </a:p>
+        </p:txBody>
+      </p:sp>
+      <p:cxnSp>
+        <p:nvCxnSpPr>
+          <p:cNvPr id="29" name="직선 화살표 연결선 28"/>
+          <p:cNvCxnSpPr/>
+          <p:nvPr/>
+        </p:nvCxnSpPr>
+        <p:spPr>
+          <a:xfrm flipH="1">
+            <a:off x="6811348" y="2410503"/>
+            <a:ext cx="606489" cy="0"/>
+          </a:xfrm>
+          <a:prstGeom prst="straightConnector1">
+            <a:avLst/>
+          </a:prstGeom>
+          <a:ln>
+            <a:tailEnd type="triangle"/>
+          </a:ln>
+        </p:spPr>
+        <p:style>
+          <a:lnRef idx="1">
+            <a:schemeClr val="accent1"/>
+          </a:lnRef>
+          <a:fillRef idx="0">
+            <a:schemeClr val="accent1"/>
+          </a:fillRef>
+          <a:effectRef idx="0">
+            <a:schemeClr val="accent1"/>
+          </a:effectRef>
+          <a:fontRef idx="minor">
+            <a:schemeClr val="tx1"/>
+          </a:fontRef>
+        </p:style>
+      </p:cxnSp>
+      <p:sp>
+        <p:nvSpPr>
+          <p:cNvPr id="30" name="TextBox 29"/>
+          <p:cNvSpPr txBox="1"/>
+          <p:nvPr/>
+        </p:nvSpPr>
+        <p:spPr>
+          <a:xfrm>
+            <a:off x="7501812" y="1339658"/>
+            <a:ext cx="4394719" cy="2308324"/>
+          </a:xfrm>
+          <a:prstGeom prst="rect">
+            <a:avLst/>
+          </a:prstGeom>
+          <a:noFill/>
+        </p:spPr>
+        <p:txBody>
+          <a:bodyPr wrap="square" rtlCol="0">
+            <a:spAutoFit/>
+          </a:bodyPr>
+          <a:lstStyle/>
+          <a:p>
+            <a:r>
+              <a:rPr lang="en-US" altLang="ko-KR" smtClean="0"/>
+              <a:t>1. </a:t>
+            </a:r>
+            <a:r>
+              <a:rPr lang="ko-KR" altLang="en-US" smtClean="0"/>
+              <a:t>모든 </a:t>
+            </a:r>
+            <a:r>
+              <a:rPr lang="en-US" altLang="ko-KR" smtClean="0"/>
+              <a:t>Primary Shard</a:t>
+            </a:r>
+            <a:r>
+              <a:rPr lang="ko-KR" altLang="en-US" smtClean="0"/>
+              <a:t>들의 상위 </a:t>
+            </a:r>
+            <a:r>
+              <a:rPr lang="en-US" altLang="ko-KR" smtClean="0"/>
+              <a:t>10</a:t>
+            </a:r>
+            <a:r>
+              <a:rPr lang="ko-KR" altLang="en-US" smtClean="0"/>
+              <a:t>개를 조회</a:t>
+            </a:r>
+            <a:endParaRPr lang="en-US" altLang="ko-KR" smtClean="0"/>
+          </a:p>
+          <a:p>
+            <a:r>
+              <a:rPr lang="en-US" altLang="ko-KR" smtClean="0"/>
+              <a:t>2. </a:t>
+            </a:r>
+            <a:r>
+              <a:rPr lang="ko-KR" altLang="en-US" smtClean="0"/>
+              <a:t>코디네이팅 노드에 </a:t>
+            </a:r>
+            <a:r>
+              <a:rPr lang="en-US" altLang="ko-KR" smtClean="0"/>
+              <a:t>Primary Shard * (from*size) + size </a:t>
+            </a:r>
+            <a:r>
+              <a:rPr lang="ko-KR" altLang="en-US" smtClean="0"/>
+              <a:t>만큼의 데이터를 전달</a:t>
+            </a:r>
+            <a:endParaRPr lang="en-US" altLang="ko-KR" smtClean="0"/>
+          </a:p>
+          <a:p>
+            <a:r>
+              <a:rPr lang="en-US" altLang="ko-KR" smtClean="0"/>
+              <a:t>3.</a:t>
+            </a:r>
+            <a:r>
+              <a:rPr lang="ko-KR" altLang="en-US" smtClean="0"/>
+              <a:t> 코디네이팅 노드에서 재정렬 후에 </a:t>
+            </a:r>
+            <a:r>
+              <a:rPr lang="en-US" altLang="ko-KR" smtClean="0"/>
+              <a:t>Size</a:t>
+            </a:r>
+            <a:r>
+              <a:rPr lang="ko-KR" altLang="en-US" smtClean="0"/>
+              <a:t>만큼 반환</a:t>
+            </a:r>
+            <a:endParaRPr lang="en-US" altLang="ko-KR" smtClean="0"/>
+          </a:p>
+          <a:p>
+            <a:r>
+              <a:rPr lang="en-US" altLang="ko-KR" smtClean="0"/>
+              <a:t>=&gt; </a:t>
+            </a:r>
+            <a:r>
+              <a:rPr lang="ko-KR" altLang="en-US" smtClean="0"/>
+              <a:t>코디네이팅노드는 </a:t>
+            </a:r>
+            <a:r>
+              <a:rPr lang="en-US" altLang="ko-KR" smtClean="0"/>
+              <a:t>50</a:t>
+            </a:r>
+            <a:r>
+              <a:rPr lang="ko-KR" altLang="en-US" smtClean="0"/>
+              <a:t>개에서 </a:t>
+            </a:r>
+            <a:r>
+              <a:rPr lang="en-US" altLang="ko-KR" smtClean="0"/>
+              <a:t>10</a:t>
+            </a:r>
+            <a:r>
+              <a:rPr lang="ko-KR" altLang="en-US" smtClean="0"/>
+              <a:t>개만 반환하고 나머지 </a:t>
+            </a:r>
+            <a:r>
+              <a:rPr lang="en-US" altLang="ko-KR" smtClean="0"/>
+              <a:t>40</a:t>
+            </a:r>
+            <a:r>
+              <a:rPr lang="ko-KR" altLang="en-US" smtClean="0"/>
+              <a:t>개는 버림</a:t>
+            </a:r>
+            <a:endParaRPr lang="ko-KR" altLang="en-US"/>
+          </a:p>
+        </p:txBody>
+      </p:sp>
+      <p:sp>
+        <p:nvSpPr>
+          <p:cNvPr id="32" name="모서리가 둥근 직사각형 31"/>
+          <p:cNvSpPr/>
+          <p:nvPr/>
+        </p:nvSpPr>
+        <p:spPr>
+          <a:xfrm>
+            <a:off x="4174164" y="3765196"/>
+            <a:ext cx="2474790" cy="1399592"/>
+          </a:xfrm>
+          <a:prstGeom prst="roundRect">
+            <a:avLst/>
+          </a:prstGeom>
+        </p:spPr>
+        <p:style>
+          <a:lnRef idx="2">
+            <a:schemeClr val="accent1">
+              <a:shade val="50000"/>
+            </a:schemeClr>
+          </a:lnRef>
+          <a:fillRef idx="1">
+            <a:schemeClr val="accent1"/>
+          </a:fillRef>
+          <a:effectRef idx="0">
+            <a:schemeClr val="accent1"/>
+          </a:effectRef>
+          <a:fontRef idx="minor">
+            <a:schemeClr val="lt1"/>
+          </a:fontRef>
+        </p:style>
+        <p:txBody>
+          <a:bodyPr rtlCol="0" anchor="ctr"/>
+          <a:lstStyle/>
+          <a:p>
+            <a:pPr algn="ctr"/>
+            <a:endParaRPr lang="en-US" altLang="ko-KR" smtClean="0"/>
+          </a:p>
+        </p:txBody>
+      </p:sp>
+      <p:sp>
+        <p:nvSpPr>
+          <p:cNvPr id="33" name="모서리가 둥근 직사각형 32"/>
+          <p:cNvSpPr/>
+          <p:nvPr/>
+        </p:nvSpPr>
+        <p:spPr>
+          <a:xfrm>
+            <a:off x="4670192" y="4025407"/>
+            <a:ext cx="1325860" cy="877078"/>
+          </a:xfrm>
+          <a:prstGeom prst="roundRect">
+            <a:avLst/>
+          </a:prstGeom>
+          <a:solidFill>
+            <a:schemeClr val="accent6">
+              <a:lumMod val="75000"/>
+            </a:schemeClr>
+          </a:solidFill>
+        </p:spPr>
+        <p:style>
+          <a:lnRef idx="2">
+            <a:schemeClr val="accent1">
+              <a:shade val="50000"/>
+            </a:schemeClr>
+          </a:lnRef>
+          <a:fillRef idx="1">
+            <a:schemeClr val="accent1"/>
+          </a:fillRef>
+          <a:effectRef idx="0">
+            <a:schemeClr val="accent1"/>
+          </a:effectRef>
+          <a:fontRef idx="minor">
+            <a:schemeClr val="lt1"/>
+          </a:fontRef>
+        </p:style>
+        <p:txBody>
+          <a:bodyPr rtlCol="0" anchor="ctr"/>
+          <a:lstStyle/>
+          <a:p>
+            <a:pPr algn="ctr"/>
+            <a:r>
+              <a:rPr lang="en-US" altLang="ko-KR" smtClean="0"/>
+              <a:t>Primary Shard</a:t>
+            </a:r>
+            <a:endParaRPr lang="ko-KR" altLang="en-US"/>
+          </a:p>
+        </p:txBody>
+      </p:sp>
+      <p:sp>
+        <p:nvSpPr>
+          <p:cNvPr id="34" name="TextBox 33"/>
+          <p:cNvSpPr txBox="1"/>
+          <p:nvPr/>
+        </p:nvSpPr>
+        <p:spPr>
+          <a:xfrm>
+            <a:off x="6116436" y="4356230"/>
+            <a:ext cx="532518" cy="369332"/>
+          </a:xfrm>
+          <a:prstGeom prst="rect">
+            <a:avLst/>
+          </a:prstGeom>
+          <a:noFill/>
+        </p:spPr>
+        <p:txBody>
+          <a:bodyPr wrap="square" rtlCol="0">
+            <a:spAutoFit/>
+          </a:bodyPr>
+          <a:lstStyle/>
+          <a:p>
+            <a:r>
+              <a:rPr lang="en-US" altLang="ko-KR" smtClean="0"/>
+              <a:t>X 5</a:t>
+            </a:r>
+            <a:endParaRPr lang="ko-KR" altLang="en-US"/>
+          </a:p>
+        </p:txBody>
+      </p:sp>
+      <p:cxnSp>
+        <p:nvCxnSpPr>
+          <p:cNvPr id="35" name="직선 화살표 연결선 34"/>
+          <p:cNvCxnSpPr/>
+          <p:nvPr/>
+        </p:nvCxnSpPr>
+        <p:spPr>
+          <a:xfrm>
+            <a:off x="2481943" y="4457579"/>
+            <a:ext cx="1347615" cy="0"/>
+          </a:xfrm>
+          <a:prstGeom prst="straightConnector1">
+            <a:avLst/>
+          </a:prstGeom>
+          <a:ln>
+            <a:tailEnd type="triangle"/>
+          </a:ln>
+        </p:spPr>
+        <p:style>
+          <a:lnRef idx="1">
+            <a:schemeClr val="accent1"/>
+          </a:lnRef>
+          <a:fillRef idx="0">
+            <a:schemeClr val="accent1"/>
+          </a:fillRef>
+          <a:effectRef idx="0">
+            <a:schemeClr val="accent1"/>
+          </a:effectRef>
+          <a:fontRef idx="minor">
+            <a:schemeClr val="tx1"/>
+          </a:fontRef>
+        </p:style>
+      </p:cxnSp>
+      <p:sp>
+        <p:nvSpPr>
+          <p:cNvPr id="36" name="모서리가 둥근 직사각형 35"/>
+          <p:cNvSpPr/>
+          <p:nvPr/>
+        </p:nvSpPr>
+        <p:spPr>
+          <a:xfrm>
+            <a:off x="468541" y="3599670"/>
+            <a:ext cx="1893018" cy="1677178"/>
+          </a:xfrm>
+          <a:prstGeom prst="roundRect">
+            <a:avLst/>
+          </a:prstGeom>
+          <a:solidFill>
+            <a:schemeClr val="tx1">
+              <a:lumMod val="65000"/>
+              <a:lumOff val="35000"/>
+            </a:schemeClr>
+          </a:solidFill>
+        </p:spPr>
+        <p:style>
+          <a:lnRef idx="2">
+            <a:schemeClr val="accent1">
+              <a:shade val="50000"/>
+            </a:schemeClr>
+          </a:lnRef>
+          <a:fillRef idx="1">
+            <a:schemeClr val="accent1"/>
+          </a:fillRef>
+          <a:effectRef idx="0">
+            <a:schemeClr val="accent1"/>
+          </a:effectRef>
+          <a:fontRef idx="minor">
+            <a:schemeClr val="lt1"/>
+          </a:fontRef>
+        </p:style>
+        <p:txBody>
+          <a:bodyPr rtlCol="0" anchor="ctr"/>
+          <a:lstStyle/>
+          <a:p>
+            <a:r>
+              <a:rPr lang="en-US" altLang="ko-KR" smtClean="0"/>
+              <a:t>/_search</a:t>
+            </a:r>
+          </a:p>
+          <a:p>
+            <a:r>
+              <a:rPr lang="en-US" altLang="ko-KR" smtClean="0"/>
+              <a:t>{</a:t>
+            </a:r>
+          </a:p>
+          <a:p>
+            <a:r>
+              <a:rPr lang="en-US" altLang="ko-KR"/>
+              <a:t> "from": </a:t>
+            </a:r>
+            <a:r>
+              <a:rPr lang="en-US" altLang="ko-KR" smtClean="0"/>
+              <a:t>1000,</a:t>
+            </a:r>
+            <a:endParaRPr lang="en-US" altLang="ko-KR"/>
+          </a:p>
+          <a:p>
+            <a:r>
+              <a:rPr lang="en-US" altLang="ko-KR"/>
+              <a:t>  "size": </a:t>
+            </a:r>
+            <a:r>
+              <a:rPr lang="en-US" altLang="ko-KR" smtClean="0"/>
+              <a:t>10,</a:t>
+            </a:r>
+            <a:endParaRPr lang="en-US" altLang="ko-KR"/>
+          </a:p>
+          <a:p>
+            <a:r>
+              <a:rPr lang="en-US" altLang="ko-KR" smtClean="0"/>
+              <a:t>}</a:t>
+            </a:r>
+            <a:endParaRPr lang="en-US" altLang="ko-KR"/>
+          </a:p>
+        </p:txBody>
+      </p:sp>
+      <p:sp>
+        <p:nvSpPr>
+          <p:cNvPr id="37" name="TextBox 36"/>
+          <p:cNvSpPr txBox="1"/>
+          <p:nvPr/>
+        </p:nvSpPr>
+        <p:spPr>
+          <a:xfrm>
+            <a:off x="2862785" y="4129289"/>
+            <a:ext cx="646331" cy="369332"/>
+          </a:xfrm>
+          <a:prstGeom prst="rect">
+            <a:avLst/>
+          </a:prstGeom>
+          <a:noFill/>
+        </p:spPr>
+        <p:txBody>
+          <a:bodyPr wrap="none" rtlCol="0">
+            <a:spAutoFit/>
+          </a:bodyPr>
+          <a:lstStyle/>
+          <a:p>
+            <a:r>
+              <a:rPr lang="ko-KR" altLang="en-US" smtClean="0"/>
+              <a:t>검색</a:t>
+            </a:r>
+            <a:endParaRPr lang="ko-KR" altLang="en-US"/>
+          </a:p>
+        </p:txBody>
+      </p:sp>
+      <p:cxnSp>
+        <p:nvCxnSpPr>
+          <p:cNvPr id="38" name="직선 화살표 연결선 37"/>
+          <p:cNvCxnSpPr/>
+          <p:nvPr/>
+        </p:nvCxnSpPr>
+        <p:spPr>
+          <a:xfrm flipH="1">
+            <a:off x="6811348" y="4498621"/>
+            <a:ext cx="606489" cy="0"/>
+          </a:xfrm>
+          <a:prstGeom prst="straightConnector1">
+            <a:avLst/>
+          </a:prstGeom>
+          <a:ln>
+            <a:tailEnd type="triangle"/>
+          </a:ln>
+        </p:spPr>
+        <p:style>
+          <a:lnRef idx="1">
+            <a:schemeClr val="accent1"/>
+          </a:lnRef>
+          <a:fillRef idx="0">
+            <a:schemeClr val="accent1"/>
+          </a:fillRef>
+          <a:effectRef idx="0">
+            <a:schemeClr val="accent1"/>
+          </a:effectRef>
+          <a:fontRef idx="minor">
+            <a:schemeClr val="tx1"/>
+          </a:fontRef>
+        </p:style>
+      </p:cxnSp>
+      <p:sp>
+        <p:nvSpPr>
+          <p:cNvPr id="39" name="TextBox 38"/>
+          <p:cNvSpPr txBox="1"/>
+          <p:nvPr/>
+        </p:nvSpPr>
+        <p:spPr>
+          <a:xfrm>
+            <a:off x="7501812" y="4313955"/>
+            <a:ext cx="4394719" cy="369332"/>
+          </a:xfrm>
+          <a:prstGeom prst="rect">
+            <a:avLst/>
+          </a:prstGeom>
+          <a:noFill/>
+        </p:spPr>
+        <p:txBody>
+          <a:bodyPr wrap="square" rtlCol="0">
+            <a:spAutoFit/>
+          </a:bodyPr>
+          <a:lstStyle/>
+          <a:p>
+            <a:r>
+              <a:rPr lang="en-US" altLang="ko-KR" smtClean="0"/>
+              <a:t>?</a:t>
+            </a:r>
+            <a:endParaRPr lang="ko-KR" altLang="en-US"/>
+          </a:p>
+        </p:txBody>
+      </p:sp>
+      <p:sp>
+        <p:nvSpPr>
+          <p:cNvPr id="40" name="TextBox 39"/>
+          <p:cNvSpPr txBox="1"/>
+          <p:nvPr/>
+        </p:nvSpPr>
+        <p:spPr>
+          <a:xfrm>
+            <a:off x="623843" y="5569854"/>
+            <a:ext cx="10009856" cy="923330"/>
+          </a:xfrm>
+          <a:prstGeom prst="rect">
+            <a:avLst/>
+          </a:prstGeom>
+          <a:noFill/>
+        </p:spPr>
+        <p:txBody>
+          <a:bodyPr wrap="none" rtlCol="0">
+            <a:spAutoFit/>
+          </a:bodyPr>
+          <a:lstStyle/>
+          <a:p>
+            <a:pPr marL="285750" indent="-285750">
+              <a:buFont typeface="Arial" panose="020B0604020202020204" pitchFamily="34" charset="0"/>
+              <a:buChar char="•"/>
+            </a:pPr>
+            <a:r>
+              <a:rPr lang="ko-KR" altLang="en-US" smtClean="0"/>
+              <a:t>결과 정렬 비용이 기하급수적으로 늘어나는 현상이 있음</a:t>
+            </a:r>
+            <a:endParaRPr lang="en-US" altLang="ko-KR" smtClean="0"/>
+          </a:p>
+          <a:p>
+            <a:pPr marL="285750" indent="-285750">
+              <a:buFont typeface="Arial" panose="020B0604020202020204" pitchFamily="34" charset="0"/>
+              <a:buChar char="•"/>
+            </a:pPr>
+            <a:r>
+              <a:rPr lang="en-US" altLang="ko-KR" b="1" smtClean="0"/>
+              <a:t>max_result_window</a:t>
+            </a:r>
+            <a:r>
+              <a:rPr lang="ko-KR" altLang="en-US" smtClean="0"/>
+              <a:t>는 </a:t>
+            </a:r>
+            <a:r>
+              <a:rPr lang="en-US" altLang="ko-KR" smtClean="0"/>
+              <a:t>from+size</a:t>
+            </a:r>
+            <a:r>
+              <a:rPr lang="ko-KR" altLang="en-US" smtClean="0"/>
+              <a:t>의 최대값</a:t>
+            </a:r>
+            <a:r>
+              <a:rPr lang="en-US" altLang="ko-KR" smtClean="0"/>
+              <a:t>.</a:t>
+            </a:r>
+            <a:r>
+              <a:rPr lang="en-US" altLang="ko-KR"/>
+              <a:t> </a:t>
+            </a:r>
+            <a:r>
+              <a:rPr lang="ko-KR" altLang="en-US" smtClean="0"/>
+              <a:t>기본값은 </a:t>
+            </a:r>
+            <a:r>
+              <a:rPr lang="en-US" altLang="ko-KR" smtClean="0"/>
+              <a:t>10000</a:t>
+            </a:r>
+            <a:r>
+              <a:rPr lang="ko-KR" altLang="en-US" smtClean="0"/>
+              <a:t>이고 최대 </a:t>
+            </a:r>
+            <a:r>
+              <a:rPr lang="en-US" altLang="ko-KR" smtClean="0"/>
+              <a:t>50000</a:t>
+            </a:r>
+            <a:r>
+              <a:rPr lang="ko-KR" altLang="en-US" smtClean="0"/>
+              <a:t>까지 설정 가능</a:t>
+            </a:r>
+            <a:endParaRPr lang="en-US" altLang="ko-KR" smtClean="0"/>
+          </a:p>
+          <a:p>
+            <a:pPr marL="285750" indent="-285750">
+              <a:buFont typeface="Arial" panose="020B0604020202020204" pitchFamily="34" charset="0"/>
+              <a:buChar char="•"/>
+            </a:pPr>
+            <a:r>
+              <a:rPr lang="ko-KR" altLang="en-US" smtClean="0"/>
+              <a:t>깊은 페이징은 </a:t>
+            </a:r>
+            <a:r>
+              <a:rPr lang="en-US" altLang="ko-KR" smtClean="0"/>
+              <a:t>Scroll </a:t>
+            </a:r>
+            <a:r>
+              <a:rPr lang="ko-KR" altLang="en-US" smtClean="0"/>
+              <a:t>또는 </a:t>
+            </a:r>
+            <a:r>
+              <a:rPr lang="en-US" altLang="ko-KR" smtClean="0"/>
+              <a:t>Search After </a:t>
+            </a:r>
+            <a:r>
+              <a:rPr lang="ko-KR" altLang="en-US" smtClean="0"/>
+              <a:t>권장</a:t>
+            </a:r>
+            <a:endParaRPr lang="en-US" altLang="ko-KR" smtClean="0"/>
           </a:p>
         </p:txBody>
       </p:sp>
     </p:spTree>
     <p:extLst>
       <p:ext uri="{BB962C8B-B14F-4D97-AF65-F5344CB8AC3E}">
-        <p14:creationId xmlns:p14="http://schemas.microsoft.com/office/powerpoint/2010/main" val="2565242774"/>
+        <p14:creationId xmlns:p14="http://schemas.microsoft.com/office/powerpoint/2010/main" val="3519901365"/>
       </p:ext>
     </p:extLst>
   </p:cSld>
@@ -5689,7 +6343,7 @@
         <p:spPr>
           <a:xfrm>
             <a:off x="491490" y="948774"/>
-            <a:ext cx="904863" cy="369332"/>
+            <a:ext cx="621389" cy="369332"/>
           </a:xfrm>
           <a:prstGeom prst="rect">
             <a:avLst/>
@@ -5704,7 +6358,7 @@
           <a:p>
             <a:r>
               <a:rPr lang="en-US" altLang="ko-KR" b="1" smtClean="0"/>
-              <a:t>source</a:t>
+              <a:t>sort</a:t>
             </a:r>
             <a:endParaRPr lang="ko-KR" altLang="en-US" b="1"/>
           </a:p>
@@ -5719,7 +6373,7 @@
         <p:spPr>
           <a:xfrm>
             <a:off x="623843" y="1486763"/>
-            <a:ext cx="5513048" cy="646331"/>
+            <a:ext cx="9238363" cy="1200329"/>
           </a:xfrm>
           <a:prstGeom prst="rect">
             <a:avLst/>
@@ -5738,7 +6392,7 @@
             </a:pPr>
             <a:r>
               <a:rPr lang="ko-KR" altLang="en-US"/>
-              <a:t>검색 결과 중 특정한 필드의 값만 찾아볼 때 사용</a:t>
+              <a:t>검색 결과를 특정 필드 기준으로 정렬할 때 사용</a:t>
             </a:r>
           </a:p>
           <a:p>
@@ -5747,13 +6401,66 @@
               <a:buChar char="•"/>
             </a:pPr>
             <a:r>
-              <a:rPr lang="en-US" altLang="ko-KR"/>
-              <a:t>_source </a:t>
-            </a:r>
-            <a:r>
-              <a:rPr lang="ko-KR" altLang="en-US"/>
-              <a:t>형태로 사용</a:t>
-            </a:r>
+              <a:rPr lang="en-US" altLang="ko-KR" smtClean="0"/>
+              <a:t>ES</a:t>
+            </a:r>
+            <a:r>
+              <a:rPr lang="ko-KR" altLang="en-US" smtClean="0"/>
+              <a:t>는 기본적으로 검색어를 바탕으로 계산된 </a:t>
+            </a:r>
+            <a:r>
+              <a:rPr lang="en-US" altLang="ko-KR" smtClean="0"/>
+              <a:t>score</a:t>
+            </a:r>
+            <a:r>
+              <a:rPr lang="ko-KR" altLang="en-US" smtClean="0"/>
+              <a:t>가 가장 높은 문서를 기준으로 정렬</a:t>
+            </a:r>
+            <a:endParaRPr lang="en-US" altLang="ko-KR" smtClean="0"/>
+          </a:p>
+          <a:p>
+            <a:pPr marL="285750" indent="-285750">
+              <a:buFont typeface="Arial" panose="020B0604020202020204" pitchFamily="34" charset="0"/>
+              <a:buChar char="•"/>
+            </a:pPr>
+            <a:r>
+              <a:rPr lang="en-US" altLang="ko-KR" smtClean="0"/>
+              <a:t>sort</a:t>
+            </a:r>
+            <a:r>
+              <a:rPr lang="ko-KR" altLang="en-US" smtClean="0"/>
+              <a:t>는 </a:t>
+            </a:r>
+            <a:r>
+              <a:rPr lang="en-US" altLang="ko-KR" smtClean="0"/>
+              <a:t>keyword</a:t>
+            </a:r>
+            <a:r>
+              <a:rPr lang="ko-KR" altLang="en-US" smtClean="0"/>
+              <a:t>나 </a:t>
+            </a:r>
+            <a:r>
+              <a:rPr lang="en-US" altLang="ko-KR" smtClean="0"/>
+              <a:t>integer</a:t>
+            </a:r>
+            <a:r>
+              <a:rPr lang="ko-KR" altLang="en-US" smtClean="0"/>
+              <a:t>와 같이 </a:t>
+            </a:r>
+            <a:r>
+              <a:rPr lang="en-US" altLang="ko-KR" smtClean="0"/>
+              <a:t>not analyzed </a:t>
+            </a:r>
+            <a:r>
+              <a:rPr lang="ko-KR" altLang="en-US" smtClean="0"/>
+              <a:t>필드를 기준으로 해야 함</a:t>
+            </a:r>
+          </a:p>
+          <a:p>
+            <a:pPr marL="285750" indent="-285750">
+              <a:buFont typeface="Arial" panose="020B0604020202020204" pitchFamily="34" charset="0"/>
+              <a:buChar char="•"/>
+            </a:pPr>
             <a:endParaRPr lang="en-US" altLang="ko-KR"/>
           </a:p>
         </p:txBody>
@@ -5766,7 +6473,7 @@
         </p:nvSpPr>
         <p:spPr>
           <a:xfrm>
-            <a:off x="491489" y="2363879"/>
+            <a:off x="491489" y="2592562"/>
             <a:ext cx="11234345" cy="2977292"/>
           </a:xfrm>
           <a:prstGeom prst="roundRect">
@@ -5818,18 +6525,26 @@
           </a:p>
           <a:p>
             <a:r>
-              <a:rPr lang="en-US" altLang="ko-KR" smtClean="0"/>
-              <a:t>  "_source": ["title", "description"],</a:t>
-            </a:r>
-          </a:p>
-          <a:p>
-            <a:r>
-              <a:rPr lang="en-US" altLang="ko-KR" smtClean="0"/>
-              <a:t>  </a:t>
-            </a:r>
-            <a:r>
-              <a:rPr lang="en-US" altLang="ko-KR"/>
-              <a:t>"query": {</a:t>
+              <a:rPr lang="en-US" altLang="ko-KR"/>
+              <a:t>  "sort": [</a:t>
+            </a:r>
+          </a:p>
+          <a:p>
+            <a:r>
+              <a:rPr lang="en-US" altLang="ko-KR"/>
+              <a:t>    {"ISBN.keyword": "desc"}</a:t>
+            </a:r>
+          </a:p>
+          <a:p>
+            <a:r>
+              <a:rPr lang="en-US" altLang="ko-KR"/>
+              <a:t>  ],</a:t>
+            </a:r>
+          </a:p>
+          <a:p>
+            <a:r>
+              <a:rPr lang="en-US" altLang="ko-KR"/>
+              <a:t>  "query": {</a:t>
             </a:r>
           </a:p>
           <a:p>
@@ -5855,7 +6570,7 @@
     </p:spTree>
     <p:extLst>
       <p:ext uri="{BB962C8B-B14F-4D97-AF65-F5344CB8AC3E}">
-        <p14:creationId xmlns:p14="http://schemas.microsoft.com/office/powerpoint/2010/main" val="186042707"/>
+        <p14:creationId xmlns:p14="http://schemas.microsoft.com/office/powerpoint/2010/main" val="2565242774"/>
       </p:ext>
     </p:extLst>
   </p:cSld>
@@ -6045,7 +6760,7 @@
         <p:spPr>
           <a:xfrm>
             <a:off x="491490" y="948774"/>
-            <a:ext cx="1172116" cy="369332"/>
+            <a:ext cx="904863" cy="369332"/>
           </a:xfrm>
           <a:prstGeom prst="rect">
             <a:avLst/>
@@ -6059,8 +6774,8 @@
           <a:lstStyle/>
           <a:p>
             <a:r>
-              <a:rPr lang="en-US" altLang="ko-KR" b="1"/>
-              <a:t>highlight</a:t>
+              <a:rPr lang="en-US" altLang="ko-KR" b="1" smtClean="0"/>
+              <a:t>source</a:t>
             </a:r>
             <a:endParaRPr lang="ko-KR" altLang="en-US" b="1"/>
           </a:p>
@@ -6075,7 +6790,7 @@
         <p:spPr>
           <a:xfrm>
             <a:off x="623843" y="1486763"/>
-            <a:ext cx="4724370" cy="369332"/>
+            <a:ext cx="5513048" cy="646331"/>
           </a:xfrm>
           <a:prstGeom prst="rect">
             <a:avLst/>
@@ -6094,7 +6809,21 @@
             </a:pPr>
             <a:r>
               <a:rPr lang="ko-KR" altLang="en-US"/>
-              <a:t>사용자가 입력한 검색어를 강조할때 사용</a:t>
+              <a:t>검색 결과 중 특정한 필드의 값만 찾아볼 때 사용</a:t>
+            </a:r>
+          </a:p>
+          <a:p>
+            <a:pPr marL="285750" indent="-285750">
+              <a:buFont typeface="Arial" panose="020B0604020202020204" pitchFamily="34" charset="0"/>
+              <a:buChar char="•"/>
+            </a:pPr>
+            <a:r>
+              <a:rPr lang="en-US" altLang="ko-KR"/>
+              <a:t>_source </a:t>
+            </a:r>
+            <a:r>
+              <a:rPr lang="ko-KR" altLang="en-US"/>
+              <a:t>형태로 사용</a:t>
             </a:r>
             <a:endParaRPr lang="en-US" altLang="ko-KR"/>
           </a:p>
@@ -6108,8 +6837,8 @@
         </p:nvSpPr>
         <p:spPr>
           <a:xfrm>
-            <a:off x="491489" y="2363878"/>
-            <a:ext cx="11234345" cy="3601085"/>
+            <a:off x="491489" y="2363879"/>
+            <a:ext cx="11234345" cy="2977292"/>
           </a:xfrm>
           <a:prstGeom prst="roundRect">
             <a:avLst/>
@@ -6160,44 +6889,24 @@
           </a:p>
           <a:p>
             <a:r>
-              <a:rPr lang="en-US" altLang="ko-KR"/>
-              <a:t>  "query": {</a:t>
+              <a:rPr lang="en-US" altLang="ko-KR" smtClean="0"/>
+              <a:t>  "_source": ["title", "description"],</a:t>
+            </a:r>
+          </a:p>
+          <a:p>
+            <a:r>
+              <a:rPr lang="en-US" altLang="ko-KR" smtClean="0"/>
+              <a:t>  </a:t>
+            </a:r>
+            <a:r>
+              <a:rPr lang="en-US" altLang="ko-KR"/>
+              <a:t>"query": {</a:t>
             </a:r>
           </a:p>
           <a:p>
             <a:r>
               <a:rPr lang="en-US" altLang="ko-KR"/>
               <a:t>    "term": {"title": "nginx"}</a:t>
-            </a:r>
-          </a:p>
-          <a:p>
-            <a:r>
-              <a:rPr lang="en-US" altLang="ko-KR"/>
-              <a:t>  },</a:t>
-            </a:r>
-          </a:p>
-          <a:p>
-            <a:r>
-              <a:rPr lang="en-US" altLang="ko-KR"/>
-              <a:t>  "highlight": {</a:t>
-            </a:r>
-          </a:p>
-          <a:p>
-            <a:r>
-              <a:rPr lang="en-US" altLang="ko-KR"/>
-              <a:t>    "fields": {</a:t>
-            </a:r>
-          </a:p>
-          <a:p>
-            <a:r>
-              <a:rPr lang="en-US" altLang="ko-KR"/>
-              <a:t>      "title": {}</a:t>
-            </a:r>
-          </a:p>
-          <a:p>
-            <a:r>
-              <a:rPr lang="en-US" altLang="ko-KR"/>
-              <a:t>    }</a:t>
             </a:r>
           </a:p>
           <a:p>
@@ -6217,7 +6926,7 @@
     </p:spTree>
     <p:extLst>
       <p:ext uri="{BB962C8B-B14F-4D97-AF65-F5344CB8AC3E}">
-        <p14:creationId xmlns:p14="http://schemas.microsoft.com/office/powerpoint/2010/main" val="3119174266"/>
+        <p14:creationId xmlns:p14="http://schemas.microsoft.com/office/powerpoint/2010/main" val="186042707"/>
       </p:ext>
     </p:extLst>
   </p:cSld>
@@ -6407,7 +7116,7 @@
         <p:spPr>
           <a:xfrm>
             <a:off x="491490" y="948774"/>
-            <a:ext cx="809837" cy="369332"/>
+            <a:ext cx="1172116" cy="369332"/>
           </a:xfrm>
           <a:prstGeom prst="rect">
             <a:avLst/>
@@ -6422,7 +7131,7 @@
           <a:p>
             <a:r>
               <a:rPr lang="en-US" altLang="ko-KR" b="1"/>
-              <a:t>boost</a:t>
+              <a:t>highlight</a:t>
             </a:r>
             <a:endParaRPr lang="ko-KR" altLang="en-US" b="1"/>
           </a:p>
@@ -6437,7 +7146,7 @@
         <p:spPr>
           <a:xfrm>
             <a:off x="623843" y="1486763"/>
-            <a:ext cx="10193816" cy="923330"/>
+            <a:ext cx="4724370" cy="369332"/>
           </a:xfrm>
           <a:prstGeom prst="rect">
             <a:avLst/>
@@ -6456,40 +7165,7 @@
             </a:pPr>
             <a:r>
               <a:rPr lang="ko-KR" altLang="en-US"/>
-              <a:t>검색 결과로 나온 스코어를 변경할 때 사용</a:t>
-            </a:r>
-          </a:p>
-          <a:p>
-            <a:pPr marL="285750" indent="-285750">
-              <a:buFont typeface="Arial" panose="020B0604020202020204" pitchFamily="34" charset="0"/>
-              <a:buChar char="•"/>
-            </a:pPr>
-            <a:r>
-              <a:rPr lang="ko-KR" altLang="en-US"/>
-              <a:t>특정검색결과로 나온 스코어를 대상으로 </a:t>
-            </a:r>
-            <a:r>
-              <a:rPr lang="en-US" altLang="ko-KR"/>
-              <a:t>boost</a:t>
-            </a:r>
-            <a:r>
-              <a:rPr lang="ko-KR" altLang="en-US"/>
-              <a:t>옵션에 설정된 값을 곱한 값이 스코어로 </a:t>
-            </a:r>
-            <a:r>
-              <a:rPr lang="ko-KR" altLang="en-US" smtClean="0"/>
-              <a:t>지정됨</a:t>
-            </a:r>
-            <a:endParaRPr lang="en-US" altLang="ko-KR" smtClean="0"/>
-          </a:p>
-          <a:p>
-            <a:pPr marL="285750" indent="-285750">
-              <a:buFont typeface="Arial" panose="020B0604020202020204" pitchFamily="34" charset="0"/>
-              <a:buChar char="•"/>
-            </a:pPr>
-            <a:r>
-              <a:rPr lang="ko-KR" altLang="en-US" smtClean="0"/>
-              <a:t>스코어를 낮게 주고싶다면 소수점을 사용</a:t>
+              <a:t>사용자가 입력한 검색어를 강조할때 사용</a:t>
             </a:r>
             <a:endParaRPr lang="en-US" altLang="ko-KR"/>
           </a:p>
@@ -6503,7 +7179,7 @@
         </p:nvSpPr>
         <p:spPr>
           <a:xfrm>
-            <a:off x="491489" y="2483520"/>
+            <a:off x="491489" y="2363878"/>
             <a:ext cx="11234345" cy="3601085"/>
           </a:xfrm>
           <a:prstGeom prst="roundRect">
@@ -6562,31 +7238,31 @@
           <a:p>
             <a:r>
               <a:rPr lang="en-US" altLang="ko-KR"/>
-              <a:t>    "match": { </a:t>
-            </a:r>
-          </a:p>
-          <a:p>
-            <a:r>
-              <a:rPr lang="en-US" altLang="ko-KR"/>
-              <a:t>      "title": {</a:t>
-            </a:r>
-          </a:p>
-          <a:p>
-            <a:r>
-              <a:rPr lang="en-US" altLang="ko-KR"/>
-              <a:t>        "query": "nginx",</a:t>
-            </a:r>
-          </a:p>
-          <a:p>
-            <a:r>
-              <a:rPr lang="en-US" altLang="ko-KR"/>
-              <a:t>        "boost": 4</a:t>
-            </a:r>
-          </a:p>
-          <a:p>
-            <a:r>
-              <a:rPr lang="en-US" altLang="ko-KR"/>
-              <a:t>      }</a:t>
+              <a:t>    "term": {"title": "nginx"}</a:t>
+            </a:r>
+          </a:p>
+          <a:p>
+            <a:r>
+              <a:rPr lang="en-US" altLang="ko-KR"/>
+              <a:t>  },</a:t>
+            </a:r>
+          </a:p>
+          <a:p>
+            <a:r>
+              <a:rPr lang="en-US" altLang="ko-KR"/>
+              <a:t>  "highlight": {</a:t>
+            </a:r>
+          </a:p>
+          <a:p>
+            <a:r>
+              <a:rPr lang="en-US" altLang="ko-KR"/>
+              <a:t>    "fields": {</a:t>
+            </a:r>
+          </a:p>
+          <a:p>
+            <a:r>
+              <a:rPr lang="en-US" altLang="ko-KR"/>
+              <a:t>      "title": {}</a:t>
             </a:r>
           </a:p>
           <a:p>
@@ -6612,7 +7288,7 @@
     </p:spTree>
     <p:extLst>
       <p:ext uri="{BB962C8B-B14F-4D97-AF65-F5344CB8AC3E}">
-        <p14:creationId xmlns:p14="http://schemas.microsoft.com/office/powerpoint/2010/main" val="2177258194"/>
+        <p14:creationId xmlns:p14="http://schemas.microsoft.com/office/powerpoint/2010/main" val="3119174266"/>
       </p:ext>
     </p:extLst>
   </p:cSld>
@@ -6802,7 +7478,7 @@
         <p:spPr>
           <a:xfrm>
             <a:off x="491490" y="948774"/>
-            <a:ext cx="847155" cy="369332"/>
+            <a:ext cx="809837" cy="369332"/>
           </a:xfrm>
           <a:prstGeom prst="rect">
             <a:avLst/>
@@ -6816,8 +7492,8 @@
           <a:lstStyle/>
           <a:p>
             <a:r>
-              <a:rPr lang="en-US" altLang="ko-KR" b="1" smtClean="0"/>
-              <a:t>scroll </a:t>
+              <a:rPr lang="en-US" altLang="ko-KR" b="1"/>
+              <a:t>boost</a:t>
             </a:r>
             <a:endParaRPr lang="ko-KR" altLang="en-US" b="1"/>
           </a:p>
@@ -6832,7 +7508,7 @@
         <p:spPr>
           <a:xfrm>
             <a:off x="623843" y="1486763"/>
-            <a:ext cx="11932049" cy="2031325"/>
+            <a:ext cx="10193816" cy="923330"/>
           </a:xfrm>
           <a:prstGeom prst="rect">
             <a:avLst/>
@@ -6850,18 +7526,9 @@
               <a:buChar char="•"/>
             </a:pPr>
             <a:r>
-              <a:rPr lang="en-US" altLang="ko-KR"/>
-              <a:t>from/size</a:t>
-            </a:r>
-            <a:r>
               <a:rPr lang="ko-KR" altLang="en-US"/>
-              <a:t>와 유사해보이지만 검색 당시의 스냅샷을 제공해준다는 점에서 조금 </a:t>
-            </a:r>
-            <a:r>
-              <a:rPr lang="ko-KR" altLang="en-US" smtClean="0"/>
-              <a:t>다름</a:t>
-            </a:r>
-            <a:endParaRPr lang="en-US" altLang="ko-KR" smtClean="0"/>
+              <a:t>검색 결과로 나온 스코어를 변경할 때 사용</a:t>
+            </a:r>
           </a:p>
           <a:p>
             <a:pPr marL="285750" indent="-285750">
@@ -6870,16 +7537,21 @@
             </a:pPr>
             <a:r>
               <a:rPr lang="ko-KR" altLang="en-US"/>
-              <a:t>검색 결과가 동일하게 유지되어야 하는 </a:t>
-            </a:r>
-            <a:r>
-              <a:rPr lang="en-US" altLang="ko-KR"/>
-              <a:t>pagination, </a:t>
+              <a:t>특정검색결과로 나온 스코어를 대상으로 </a:t>
+            </a:r>
+            <a:r>
+              <a:rPr lang="en-US" altLang="ko-KR"/>
+              <a:t>boost</a:t>
             </a:r>
             <a:r>
               <a:rPr lang="ko-KR" altLang="en-US"/>
-              <a:t>혹은 대량 배치 작업에 주로 활용</a:t>
-            </a:r>
+              <a:t>옵션에 설정된 값을 곱한 값이 스코어로 </a:t>
+            </a:r>
+            <a:r>
+              <a:rPr lang="ko-KR" altLang="en-US" smtClean="0"/>
+              <a:t>지정됨</a:t>
+            </a:r>
+            <a:endParaRPr lang="en-US" altLang="ko-KR" smtClean="0"/>
           </a:p>
           <a:p>
             <a:pPr marL="285750" indent="-285750">
@@ -6887,75 +7559,123 @@
               <a:buChar char="•"/>
             </a:pPr>
             <a:r>
-              <a:rPr lang="en-US" altLang="ko-KR"/>
-              <a:t>scroll_id</a:t>
-            </a:r>
-            <a:r>
-              <a:rPr lang="ko-KR" altLang="en-US"/>
-              <a:t>가 유지되는 시간을설정하는데 힙 메모리 사용량에 영향을 주기 때문에 </a:t>
-            </a:r>
-            <a:endParaRPr lang="en-US" altLang="ko-KR" smtClean="0"/>
-          </a:p>
-          <a:p>
-            <a:r>
-              <a:rPr lang="ko-KR" altLang="en-US" smtClean="0"/>
-              <a:t>필요한 </a:t>
-            </a:r>
-            <a:r>
-              <a:rPr lang="ko-KR" altLang="en-US"/>
-              <a:t>만큼만 설정할 것 </a:t>
-            </a:r>
-            <a:r>
-              <a:rPr lang="en-US" altLang="ko-KR"/>
-              <a:t>OOM</a:t>
-            </a:r>
-            <a:r>
-              <a:rPr lang="ko-KR" altLang="en-US"/>
-              <a:t>이 발생할 수 </a:t>
-            </a:r>
-            <a:r>
-              <a:rPr lang="ko-KR" altLang="en-US" smtClean="0"/>
-              <a:t>있음</a:t>
-            </a:r>
-            <a:endParaRPr lang="en-US" altLang="ko-KR" smtClean="0"/>
-          </a:p>
-          <a:p>
-            <a:pPr marL="285750" indent="-285750">
-              <a:buFont typeface="Arial" panose="020B0604020202020204" pitchFamily="34" charset="0"/>
-              <a:buChar char="•"/>
-            </a:pPr>
-            <a:r>
-              <a:rPr lang="ko-KR" altLang="en-US" smtClean="0"/>
-              <a:t>공홈에서는 </a:t>
-            </a:r>
-            <a:r>
-              <a:rPr lang="en-US" altLang="ko-KR" smtClean="0"/>
-              <a:t>search after API </a:t>
-            </a:r>
-            <a:r>
-              <a:rPr lang="ko-KR" altLang="en-US" smtClean="0"/>
-              <a:t>사용을 권장 </a:t>
-            </a:r>
-            <a:endParaRPr lang="en-US" altLang="ko-KR" smtClean="0"/>
-          </a:p>
-          <a:p>
-            <a:pPr marL="285750" indent="-285750">
-              <a:buFont typeface="Arial" panose="020B0604020202020204" pitchFamily="34" charset="0"/>
-              <a:buChar char="•"/>
-            </a:pPr>
-            <a:r>
-              <a:rPr lang="en-US" altLang="ko-KR" smtClean="0"/>
-              <a:t>search after API</a:t>
-            </a:r>
-          </a:p>
-          <a:p>
-            <a:pPr marL="742950" lvl="1" indent="-285750">
-              <a:buFont typeface="Arial" panose="020B0604020202020204" pitchFamily="34" charset="0"/>
-              <a:buChar char="•"/>
-            </a:pPr>
-            <a:r>
-              <a:rPr lang="en-US" altLang="ko-KR"/>
-              <a:t>https://www.elastic.co/guide/en/elasticsearch/reference/current/paginate-search-results.html#search-after</a:t>
+              <a:rPr lang="ko-KR" altLang="en-US" smtClean="0"/>
+              <a:t>스코어를 낮게 주고싶다면 소수점을 사용</a:t>
+            </a:r>
+            <a:endParaRPr lang="en-US" altLang="ko-KR"/>
+          </a:p>
+        </p:txBody>
+      </p:sp>
+      <p:sp>
+        <p:nvSpPr>
+          <p:cNvPr id="10" name="모서리가 둥근 직사각형 9"/>
+          <p:cNvSpPr/>
+          <p:nvPr/>
+        </p:nvSpPr>
+        <p:spPr>
+          <a:xfrm>
+            <a:off x="491489" y="2483520"/>
+            <a:ext cx="11234345" cy="3601085"/>
+          </a:xfrm>
+          <a:prstGeom prst="roundRect">
+            <a:avLst/>
+          </a:prstGeom>
+          <a:solidFill>
+            <a:schemeClr val="tx1">
+              <a:lumMod val="65000"/>
+              <a:lumOff val="35000"/>
+            </a:schemeClr>
+          </a:solidFill>
+        </p:spPr>
+        <p:style>
+          <a:lnRef idx="2">
+            <a:schemeClr val="accent1">
+              <a:shade val="50000"/>
+            </a:schemeClr>
+          </a:lnRef>
+          <a:fillRef idx="1">
+            <a:schemeClr val="accent1"/>
+          </a:fillRef>
+          <a:effectRef idx="0">
+            <a:schemeClr val="accent1"/>
+          </a:effectRef>
+          <a:fontRef idx="minor">
+            <a:schemeClr val="lt1"/>
+          </a:fontRef>
+        </p:style>
+        <p:txBody>
+          <a:bodyPr rtlCol="0" anchor="ctr"/>
+          <a:lstStyle/>
+          <a:p>
+            <a:r>
+              <a:rPr lang="en-US" altLang="ko-KR"/>
+              <a:t>curl -X GET "localhost:9200/book_data/_search?pretty" \</a:t>
+            </a:r>
+          </a:p>
+          <a:p>
+            <a:r>
+              <a:rPr lang="en-US" altLang="ko-KR"/>
+              <a:t>-H 'Content-Type: application/json' \</a:t>
+            </a:r>
+          </a:p>
+          <a:p>
+            <a:r>
+              <a:rPr lang="en-US" altLang="ko-KR"/>
+              <a:t>-d '{</a:t>
+            </a:r>
+          </a:p>
+          <a:p>
+            <a:r>
+              <a:rPr lang="en-US" altLang="ko-KR"/>
+              <a:t>  "query": {</a:t>
+            </a:r>
+          </a:p>
+          <a:p>
+            <a:r>
+              <a:rPr lang="en-US" altLang="ko-KR"/>
+              <a:t>    "match": { </a:t>
+            </a:r>
+          </a:p>
+          <a:p>
+            <a:r>
+              <a:rPr lang="en-US" altLang="ko-KR"/>
+              <a:t>      "title": {</a:t>
+            </a:r>
+          </a:p>
+          <a:p>
+            <a:r>
+              <a:rPr lang="en-US" altLang="ko-KR"/>
+              <a:t>        "query": "nginx",</a:t>
+            </a:r>
+          </a:p>
+          <a:p>
+            <a:r>
+              <a:rPr lang="en-US" altLang="ko-KR"/>
+              <a:t>        "boost": 4</a:t>
+            </a:r>
+          </a:p>
+          <a:p>
+            <a:r>
+              <a:rPr lang="en-US" altLang="ko-KR"/>
+              <a:t>      }</a:t>
+            </a:r>
+          </a:p>
+          <a:p>
+            <a:r>
+              <a:rPr lang="en-US" altLang="ko-KR"/>
+              <a:t>    }</a:t>
+            </a:r>
+          </a:p>
+          <a:p>
+            <a:r>
+              <a:rPr lang="en-US" altLang="ko-KR"/>
+              <a:t>  }</a:t>
+            </a:r>
+          </a:p>
+          <a:p>
+            <a:r>
+              <a:rPr lang="en-US" altLang="ko-KR"/>
+              <a:t>}'</a:t>
             </a:r>
           </a:p>
         </p:txBody>
@@ -6963,7 +7683,7 @@
     </p:spTree>
     <p:extLst>
       <p:ext uri="{BB962C8B-B14F-4D97-AF65-F5344CB8AC3E}">
-        <p14:creationId xmlns:p14="http://schemas.microsoft.com/office/powerpoint/2010/main" val="3320574915"/>
+        <p14:creationId xmlns:p14="http://schemas.microsoft.com/office/powerpoint/2010/main" val="2177258194"/>
       </p:ext>
     </p:extLst>
   </p:cSld>
@@ -7324,7 +8044,7 @@
         <p:spPr>
           <a:xfrm>
             <a:off x="255769" y="117861"/>
-            <a:ext cx="1566839" cy="507831"/>
+            <a:ext cx="1561581" cy="507831"/>
           </a:xfrm>
           <a:prstGeom prst="rect">
             <a:avLst/>
@@ -7343,11 +8063,11 @@
             </a:pPr>
             <a:r>
               <a:rPr lang="en-US" altLang="ko-KR"/>
-              <a:t>4</a:t>
+              <a:t>3</a:t>
             </a:r>
             <a:r>
               <a:rPr lang="en-US" altLang="ko-KR" smtClean="0"/>
-              <a:t>. Query DSL</a:t>
+              <a:t>. Search API</a:t>
             </a:r>
             <a:endParaRPr lang="en-US" altLang="ko-KR"/>
           </a:p>
@@ -7362,7 +8082,7 @@
         <p:spPr>
           <a:xfrm>
             <a:off x="491490" y="948774"/>
-            <a:ext cx="1358385" cy="369332"/>
+            <a:ext cx="847155" cy="369332"/>
           </a:xfrm>
           <a:prstGeom prst="rect">
             <a:avLst/>
@@ -7377,46 +8097,22 @@
           <a:p>
             <a:r>
               <a:rPr lang="en-US" altLang="ko-KR" b="1" smtClean="0"/>
-              <a:t>Query DSL</a:t>
+              <a:t>scroll </a:t>
             </a:r>
             <a:endParaRPr lang="ko-KR" altLang="en-US" b="1"/>
           </a:p>
         </p:txBody>
       </p:sp>
-      <p:pic>
-        <p:nvPicPr>
-          <p:cNvPr id="4" name="그림 3"/>
-          <p:cNvPicPr>
-            <a:picLocks noChangeAspect="1"/>
-          </p:cNvPicPr>
-          <p:nvPr/>
-        </p:nvPicPr>
-        <p:blipFill>
-          <a:blip r:embed="rId5"/>
-          <a:stretch>
-            <a:fillRect/>
-          </a:stretch>
-        </p:blipFill>
-        <p:spPr>
-          <a:xfrm>
-            <a:off x="255768" y="2087393"/>
-            <a:ext cx="11807421" cy="1887707"/>
-          </a:xfrm>
-          <a:prstGeom prst="rect">
-            <a:avLst/>
-          </a:prstGeom>
-        </p:spPr>
-      </p:pic>
-      <p:sp>
-        <p:nvSpPr>
-          <p:cNvPr id="11" name="TextBox 10"/>
+      <p:sp>
+        <p:nvSpPr>
+          <p:cNvPr id="18" name="TextBox 17"/>
           <p:cNvSpPr txBox="1"/>
           <p:nvPr/>
         </p:nvSpPr>
         <p:spPr>
           <a:xfrm>
             <a:off x="623843" y="1486763"/>
-            <a:ext cx="9100376" cy="369332"/>
+            <a:ext cx="11932049" cy="2031325"/>
           </a:xfrm>
           <a:prstGeom prst="rect">
             <a:avLst/>
@@ -7434,41 +8130,120 @@
               <a:buChar char="•"/>
             </a:pPr>
             <a:r>
+              <a:rPr lang="en-US" altLang="ko-KR"/>
+              <a:t>from/size</a:t>
+            </a:r>
+            <a:r>
               <a:rPr lang="ko-KR" altLang="en-US"/>
-              <a:t>검색 쿼리는 </a:t>
-            </a:r>
-            <a:r>
-              <a:rPr lang="en-US" altLang="ko-KR"/>
-              <a:t>Query DSL </a:t>
-            </a:r>
+              <a:t>와 유사해보이지만 검색 당시의 스냅샷을 제공해준다는 점에서 조금 </a:t>
+            </a:r>
+            <a:r>
+              <a:rPr lang="ko-KR" altLang="en-US" smtClean="0"/>
+              <a:t>다름</a:t>
+            </a:r>
+            <a:endParaRPr lang="en-US" altLang="ko-KR" smtClean="0"/>
+          </a:p>
+          <a:p>
+            <a:pPr marL="285750" indent="-285750">
+              <a:buFont typeface="Arial" panose="020B0604020202020204" pitchFamily="34" charset="0"/>
+              <a:buChar char="•"/>
+            </a:pPr>
             <a:r>
               <a:rPr lang="ko-KR" altLang="en-US"/>
-              <a:t>이라 불리며 크게 </a:t>
-            </a:r>
-            <a:r>
-              <a:rPr lang="en-US" altLang="ko-KR"/>
-              <a:t>Query Context</a:t>
+              <a:t>검색 결과가 동일하게 유지되어야 하는 </a:t>
+            </a:r>
+            <a:r>
+              <a:rPr lang="en-US" altLang="ko-KR"/>
+              <a:t>pagination, </a:t>
             </a:r>
             <a:r>
               <a:rPr lang="ko-KR" altLang="en-US"/>
-              <a:t>와 </a:t>
-            </a:r>
-            <a:r>
-              <a:rPr lang="en-US" altLang="ko-KR"/>
-              <a:t>Filter Context</a:t>
+              <a:t>혹은 대량 배치 작업에 주로 활용</a:t>
+            </a:r>
+          </a:p>
+          <a:p>
+            <a:pPr marL="285750" indent="-285750">
+              <a:buFont typeface="Arial" panose="020B0604020202020204" pitchFamily="34" charset="0"/>
+              <a:buChar char="•"/>
+            </a:pPr>
+            <a:r>
+              <a:rPr lang="en-US" altLang="ko-KR"/>
+              <a:t>scroll_id</a:t>
             </a:r>
             <a:r>
               <a:rPr lang="ko-KR" altLang="en-US"/>
-              <a:t>로 분류함</a:t>
-            </a:r>
-            <a:endParaRPr lang="en-US" altLang="ko-KR"/>
+              <a:t>가 유지되는 시간을설정하는데 힙 메모리 사용량에 영향을 주기 때문에 </a:t>
+            </a:r>
+            <a:endParaRPr lang="en-US" altLang="ko-KR" smtClean="0"/>
+          </a:p>
+          <a:p>
+            <a:r>
+              <a:rPr lang="ko-KR" altLang="en-US" smtClean="0"/>
+              <a:t>필요한 </a:t>
+            </a:r>
+            <a:r>
+              <a:rPr lang="ko-KR" altLang="en-US"/>
+              <a:t>만큼만 설정할 것 </a:t>
+            </a:r>
+            <a:r>
+              <a:rPr lang="en-US" altLang="ko-KR"/>
+              <a:t>OOM</a:t>
+            </a:r>
+            <a:r>
+              <a:rPr lang="ko-KR" altLang="en-US"/>
+              <a:t>이 발생할 수 </a:t>
+            </a:r>
+            <a:r>
+              <a:rPr lang="ko-KR" altLang="en-US" smtClean="0"/>
+              <a:t>있음</a:t>
+            </a:r>
+            <a:endParaRPr lang="en-US" altLang="ko-KR" smtClean="0"/>
+          </a:p>
+          <a:p>
+            <a:pPr marL="285750" indent="-285750">
+              <a:buFont typeface="Arial" panose="020B0604020202020204" pitchFamily="34" charset="0"/>
+              <a:buChar char="•"/>
+            </a:pPr>
+            <a:r>
+              <a:rPr lang="ko-KR" altLang="en-US" smtClean="0"/>
+              <a:t>공홈에서는 </a:t>
+            </a:r>
+            <a:r>
+              <a:rPr lang="en-US" altLang="ko-KR" smtClean="0"/>
+              <a:t>search after API </a:t>
+            </a:r>
+            <a:r>
+              <a:rPr lang="ko-KR" altLang="en-US" smtClean="0"/>
+              <a:t>사용을 권장 </a:t>
+            </a:r>
+            <a:endParaRPr lang="en-US" altLang="ko-KR" smtClean="0"/>
+          </a:p>
+          <a:p>
+            <a:pPr marL="285750" indent="-285750">
+              <a:buFont typeface="Arial" panose="020B0604020202020204" pitchFamily="34" charset="0"/>
+              <a:buChar char="•"/>
+            </a:pPr>
+            <a:r>
+              <a:rPr lang="en-US" altLang="ko-KR" smtClean="0"/>
+              <a:t>search after API</a:t>
+            </a:r>
+          </a:p>
+          <a:p>
+            <a:pPr marL="742950" lvl="1" indent="-285750">
+              <a:buFont typeface="Arial" panose="020B0604020202020204" pitchFamily="34" charset="0"/>
+              <a:buChar char="•"/>
+            </a:pPr>
+            <a:r>
+              <a:rPr lang="en-US" altLang="ko-KR"/>
+              <a:t>https://www.elastic.co/guide/en/elasticsearch/reference/current/paginate-search-results.html#search-after</a:t>
+            </a:r>
           </a:p>
         </p:txBody>
       </p:sp>
     </p:spTree>
     <p:extLst>
       <p:ext uri="{BB962C8B-B14F-4D97-AF65-F5344CB8AC3E}">
-        <p14:creationId xmlns:p14="http://schemas.microsoft.com/office/powerpoint/2010/main" val="556081202"/>
+        <p14:creationId xmlns:p14="http://schemas.microsoft.com/office/powerpoint/2010/main" val="3320574915"/>
       </p:ext>
     </p:extLst>
   </p:cSld>
@@ -7658,7 +8433,7 @@
         <p:spPr>
           <a:xfrm>
             <a:off x="491490" y="948774"/>
-            <a:ext cx="1796582" cy="369332"/>
+            <a:ext cx="1358385" cy="369332"/>
           </a:xfrm>
           <a:prstGeom prst="rect">
             <a:avLst/>
@@ -7673,7 +8448,7 @@
           <a:p>
             <a:r>
               <a:rPr lang="en-US" altLang="ko-KR" b="1" smtClean="0"/>
-              <a:t>Query Context</a:t>
+              <a:t>Query DSL</a:t>
             </a:r>
             <a:endParaRPr lang="ko-KR" altLang="en-US" b="1"/>
           </a:p>
@@ -7681,7 +8456,7 @@
       </p:sp>
       <p:pic>
         <p:nvPicPr>
-          <p:cNvPr id="5" name="그림 4"/>
+          <p:cNvPr id="4" name="그림 3"/>
           <p:cNvPicPr>
             <a:picLocks noChangeAspect="1"/>
           </p:cNvPicPr>
@@ -7695,18 +8470,76 @@
         </p:blipFill>
         <p:spPr>
           <a:xfrm>
-            <a:off x="385114" y="1641187"/>
-            <a:ext cx="9288171" cy="2791215"/>
+            <a:off x="255768" y="2087393"/>
+            <a:ext cx="11807421" cy="1887707"/>
           </a:xfrm>
           <a:prstGeom prst="rect">
             <a:avLst/>
           </a:prstGeom>
         </p:spPr>
       </p:pic>
+      <p:sp>
+        <p:nvSpPr>
+          <p:cNvPr id="11" name="TextBox 10"/>
+          <p:cNvSpPr txBox="1"/>
+          <p:nvPr/>
+        </p:nvSpPr>
+        <p:spPr>
+          <a:xfrm>
+            <a:off x="623843" y="1486763"/>
+            <a:ext cx="9100376" cy="369332"/>
+          </a:xfrm>
+          <a:prstGeom prst="rect">
+            <a:avLst/>
+          </a:prstGeom>
+          <a:noFill/>
+        </p:spPr>
+        <p:txBody>
+          <a:bodyPr wrap="none" rtlCol="0">
+            <a:spAutoFit/>
+          </a:bodyPr>
+          <a:lstStyle/>
+          <a:p>
+            <a:pPr marL="285750" indent="-285750">
+              <a:buFont typeface="Arial" panose="020B0604020202020204" pitchFamily="34" charset="0"/>
+              <a:buChar char="•"/>
+            </a:pPr>
+            <a:r>
+              <a:rPr lang="ko-KR" altLang="en-US"/>
+              <a:t>검색 쿼리는 </a:t>
+            </a:r>
+            <a:r>
+              <a:rPr lang="en-US" altLang="ko-KR"/>
+              <a:t>Query DSL </a:t>
+            </a:r>
+            <a:r>
+              <a:rPr lang="ko-KR" altLang="en-US"/>
+              <a:t>이라 불리며 크게 </a:t>
+            </a:r>
+            <a:r>
+              <a:rPr lang="en-US" altLang="ko-KR"/>
+              <a:t>Query Context</a:t>
+            </a:r>
+            <a:r>
+              <a:rPr lang="ko-KR" altLang="en-US"/>
+              <a:t>와 </a:t>
+            </a:r>
+            <a:r>
+              <a:rPr lang="en-US" altLang="ko-KR"/>
+              <a:t>Filter Context</a:t>
+            </a:r>
+            <a:r>
+              <a:rPr lang="ko-KR" altLang="en-US"/>
+              <a:t>로 분류함</a:t>
+            </a:r>
+            <a:endParaRPr lang="en-US" altLang="ko-KR"/>
+          </a:p>
+        </p:txBody>
+      </p:sp>
     </p:spTree>
     <p:extLst>
       <p:ext uri="{BB962C8B-B14F-4D97-AF65-F5344CB8AC3E}">
-        <p14:creationId xmlns:p14="http://schemas.microsoft.com/office/powerpoint/2010/main" val="312997805"/>
+        <p14:creationId xmlns:p14="http://schemas.microsoft.com/office/powerpoint/2010/main" val="556081202"/>
       </p:ext>
     </p:extLst>
   </p:cSld>
@@ -7896,7 +8729,7 @@
         <p:spPr>
           <a:xfrm>
             <a:off x="491490" y="948774"/>
-            <a:ext cx="1405000" cy="369332"/>
+            <a:ext cx="1796582" cy="369332"/>
           </a:xfrm>
           <a:prstGeom prst="rect">
             <a:avLst/>
@@ -7910,238 +8743,41 @@
           <a:lstStyle/>
           <a:p>
             <a:r>
-              <a:rPr lang="en-US" altLang="ko-KR" b="1"/>
-              <a:t>match </a:t>
-            </a:r>
-            <a:r>
-              <a:rPr lang="ko-KR" altLang="en-US" b="1"/>
-              <a:t>쿼리</a:t>
-            </a:r>
-          </a:p>
-        </p:txBody>
-      </p:sp>
-      <p:sp>
-        <p:nvSpPr>
-          <p:cNvPr id="9" name="TextBox 8"/>
-          <p:cNvSpPr txBox="1"/>
-          <p:nvPr/>
-        </p:nvSpPr>
-        <p:spPr>
-          <a:xfrm>
-            <a:off x="623843" y="1486763"/>
-            <a:ext cx="9897261" cy="1477328"/>
-          </a:xfrm>
-          <a:prstGeom prst="rect">
-            <a:avLst/>
-          </a:prstGeom>
-          <a:noFill/>
-        </p:spPr>
-        <p:txBody>
-          <a:bodyPr wrap="none" rtlCol="0">
-            <a:spAutoFit/>
-          </a:bodyPr>
-          <a:lstStyle/>
-          <a:p>
-            <a:pPr marL="285750" indent="-285750">
-              <a:buFont typeface="Arial" panose="020B0604020202020204" pitchFamily="34" charset="0"/>
-              <a:buChar char="•"/>
-            </a:pPr>
-            <a:r>
-              <a:rPr lang="en-US" altLang="ko-KR"/>
-              <a:t>match </a:t>
-            </a:r>
-            <a:r>
-              <a:rPr lang="ko-KR" altLang="en-US"/>
-              <a:t>쿼리는 검색어로 들어온 문자열을 </a:t>
-            </a:r>
-            <a:r>
-              <a:rPr lang="en-US" altLang="ko-KR"/>
-              <a:t>analyzer</a:t>
-            </a:r>
-            <a:r>
-              <a:rPr lang="ko-KR" altLang="en-US"/>
-              <a:t>를 통해 분석한 후 </a:t>
-            </a:r>
-            <a:endParaRPr lang="en-US" altLang="ko-KR" smtClean="0"/>
-          </a:p>
-          <a:p>
-            <a:r>
-              <a:rPr lang="en-US" altLang="ko-KR" smtClean="0"/>
-              <a:t>inverted </a:t>
-            </a:r>
-            <a:r>
-              <a:rPr lang="en-US" altLang="ko-KR"/>
-              <a:t>index</a:t>
-            </a:r>
-            <a:r>
-              <a:rPr lang="ko-KR" altLang="en-US"/>
-              <a:t>에서 해당 문자열의 토큰을 가지고 있는 문서를 </a:t>
-            </a:r>
-            <a:r>
-              <a:rPr lang="ko-KR" altLang="en-US" smtClean="0"/>
-              <a:t>검색</a:t>
-            </a:r>
-            <a:endParaRPr lang="en-US" altLang="ko-KR" smtClean="0"/>
-          </a:p>
-          <a:p>
-            <a:pPr marL="285750" indent="-285750">
-              <a:buFont typeface="Arial" panose="020B0604020202020204" pitchFamily="34" charset="0"/>
-              <a:buChar char="•"/>
-            </a:pPr>
-            <a:r>
-              <a:rPr lang="ko-KR" altLang="en-US"/>
-              <a:t>문서의 해당 필드에 설정해놓은 </a:t>
-            </a:r>
-            <a:r>
-              <a:rPr lang="en-US" altLang="ko-KR"/>
-              <a:t>analyzer</a:t>
-            </a:r>
-            <a:r>
-              <a:rPr lang="ko-KR" altLang="en-US"/>
-              <a:t>를 기본으로 사용</a:t>
-            </a:r>
-            <a:r>
-              <a:rPr lang="en-US" altLang="ko-KR"/>
-              <a:t>, </a:t>
-            </a:r>
-            <a:r>
-              <a:rPr lang="ko-KR" altLang="en-US"/>
-              <a:t>필요할 경우 별도로 명시하면 </a:t>
-            </a:r>
-            <a:r>
-              <a:rPr lang="ko-KR" altLang="en-US" smtClean="0"/>
-              <a:t>됨</a:t>
-            </a:r>
-            <a:endParaRPr lang="en-US" altLang="ko-KR" smtClean="0"/>
-          </a:p>
-          <a:p>
-            <a:pPr marL="285750" indent="-285750">
-              <a:buFont typeface="Arial" panose="020B0604020202020204" pitchFamily="34" charset="0"/>
-              <a:buChar char="•"/>
-            </a:pPr>
-            <a:r>
-              <a:rPr lang="en-US" altLang="ko-KR"/>
-              <a:t>match </a:t>
-            </a:r>
-            <a:r>
-              <a:rPr lang="ko-KR" altLang="en-US"/>
-              <a:t>쿼리는 어떤 토큰이 먼저 있는지에 대한 순서는 고려하지 않음</a:t>
-            </a:r>
-          </a:p>
-          <a:p>
-            <a:pPr marL="285750" indent="-285750">
-              <a:buFont typeface="Arial" panose="020B0604020202020204" pitchFamily="34" charset="0"/>
-              <a:buChar char="•"/>
-            </a:pPr>
-            <a:endParaRPr lang="ko-KR" altLang="en-US"/>
-          </a:p>
-        </p:txBody>
-      </p:sp>
-      <p:sp>
-        <p:nvSpPr>
-          <p:cNvPr id="10" name="모서리가 둥근 직사각형 9"/>
-          <p:cNvSpPr/>
-          <p:nvPr/>
-        </p:nvSpPr>
-        <p:spPr>
-          <a:xfrm>
-            <a:off x="491489" y="2848215"/>
-            <a:ext cx="11234345" cy="2930286"/>
-          </a:xfrm>
-          <a:prstGeom prst="roundRect">
-            <a:avLst/>
-          </a:prstGeom>
-          <a:solidFill>
-            <a:schemeClr val="tx1">
-              <a:lumMod val="65000"/>
-              <a:lumOff val="35000"/>
-            </a:schemeClr>
-          </a:solidFill>
-        </p:spPr>
-        <p:style>
-          <a:lnRef idx="2">
-            <a:schemeClr val="accent1">
-              <a:shade val="50000"/>
-            </a:schemeClr>
-          </a:lnRef>
-          <a:fillRef idx="1">
-            <a:schemeClr val="accent1"/>
-          </a:fillRef>
-          <a:effectRef idx="0">
-            <a:schemeClr val="accent1"/>
-          </a:effectRef>
-          <a:fontRef idx="minor">
-            <a:schemeClr val="lt1"/>
-          </a:fontRef>
-        </p:style>
-        <p:txBody>
-          <a:bodyPr rtlCol="0" anchor="ctr"/>
-          <a:lstStyle/>
-          <a:p>
-            <a:r>
-              <a:rPr lang="en-US" altLang="ko-KR"/>
-              <a:t>curl -X GET "localhost:9200/book_data/_search?pretty" \</a:t>
-            </a:r>
-          </a:p>
-          <a:p>
-            <a:r>
-              <a:rPr lang="en-US" altLang="ko-KR"/>
-              <a:t>-H 'Content-Type: application/json' \</a:t>
-            </a:r>
-          </a:p>
-          <a:p>
-            <a:r>
-              <a:rPr lang="en-US" altLang="ko-KR"/>
-              <a:t>-d '{</a:t>
-            </a:r>
-          </a:p>
-          <a:p>
-            <a:r>
-              <a:rPr lang="en-US" altLang="ko-KR"/>
-              <a:t>  "query": {</a:t>
-            </a:r>
-          </a:p>
-          <a:p>
-            <a:r>
-              <a:rPr lang="en-US" altLang="ko-KR"/>
-              <a:t>    "match": { </a:t>
-            </a:r>
-          </a:p>
-          <a:p>
-            <a:r>
-              <a:rPr lang="en-US" altLang="ko-KR"/>
-              <a:t>      "description": </a:t>
-            </a:r>
-            <a:r>
-              <a:rPr lang="en-US" altLang="ko-KR" smtClean="0"/>
-              <a:t>"nginx guide"</a:t>
-            </a:r>
-            <a:endParaRPr lang="en-US" altLang="ko-KR"/>
-          </a:p>
-          <a:p>
-            <a:r>
-              <a:rPr lang="en-US" altLang="ko-KR"/>
-              <a:t>    }</a:t>
-            </a:r>
-          </a:p>
-          <a:p>
-            <a:r>
-              <a:rPr lang="en-US" altLang="ko-KR"/>
-              <a:t>  }</a:t>
-            </a:r>
-          </a:p>
-          <a:p>
-            <a:r>
-              <a:rPr lang="en-US" altLang="ko-KR"/>
-              <a:t>}'</a:t>
-            </a:r>
-          </a:p>
-        </p:txBody>
-      </p:sp>
+              <a:rPr lang="en-US" altLang="ko-KR" b="1" smtClean="0"/>
+              <a:t>Query Context</a:t>
+            </a:r>
+            <a:endParaRPr lang="ko-KR" altLang="en-US" b="1"/>
+          </a:p>
+        </p:txBody>
+      </p:sp>
+      <p:pic>
+        <p:nvPicPr>
+          <p:cNvPr id="5" name="그림 4"/>
+          <p:cNvPicPr>
+            <a:picLocks noChangeAspect="1"/>
+          </p:cNvPicPr>
+          <p:nvPr/>
+        </p:nvPicPr>
+        <p:blipFill>
+          <a:blip r:embed="rId5"/>
+          <a:stretch>
+            <a:fillRect/>
+          </a:stretch>
+        </p:blipFill>
+        <p:spPr>
+          <a:xfrm>
+            <a:off x="385114" y="1641187"/>
+            <a:ext cx="9288171" cy="2791215"/>
+          </a:xfrm>
+          <a:prstGeom prst="rect">
+            <a:avLst/>
+          </a:prstGeom>
+        </p:spPr>
+      </p:pic>
     </p:spTree>
     <p:extLst>
       <p:ext uri="{BB962C8B-B14F-4D97-AF65-F5344CB8AC3E}">
-        <p14:creationId xmlns:p14="http://schemas.microsoft.com/office/powerpoint/2010/main" val="3828434317"/>
+        <p14:creationId xmlns:p14="http://schemas.microsoft.com/office/powerpoint/2010/main" val="312997805"/>
       </p:ext>
     </p:extLst>
   </p:cSld>
@@ -8331,7 +8967,7 @@
         <p:spPr>
           <a:xfrm>
             <a:off x="491490" y="948774"/>
-            <a:ext cx="2236959" cy="369332"/>
+            <a:ext cx="1405000" cy="369332"/>
           </a:xfrm>
           <a:prstGeom prst="rect">
             <a:avLst/>
@@ -8346,7 +8982,7 @@
           <a:p>
             <a:r>
               <a:rPr lang="en-US" altLang="ko-KR" b="1"/>
-              <a:t>match_phrase </a:t>
+              <a:t>match </a:t>
             </a:r>
             <a:r>
               <a:rPr lang="ko-KR" altLang="en-US" b="1"/>
@@ -8364,7 +9000,7 @@
         <p:spPr>
           <a:xfrm>
             <a:off x="623843" y="1486763"/>
-            <a:ext cx="6966844" cy="923330"/>
+            <a:ext cx="9897261" cy="1477328"/>
           </a:xfrm>
           <a:prstGeom prst="rect">
             <a:avLst/>
@@ -8383,23 +9019,38 @@
             </a:pPr>
             <a:r>
               <a:rPr lang="en-US" altLang="ko-KR"/>
-              <a:t>match</a:t>
+              <a:t>match </a:t>
             </a:r>
             <a:r>
               <a:rPr lang="ko-KR" altLang="en-US"/>
-              <a:t>와는 달리 </a:t>
-            </a:r>
-            <a:r>
-              <a:rPr lang="en-US" altLang="ko-KR"/>
-              <a:t>match_phrase </a:t>
+              <a:t>쿼리는 검색어로 들어온 문자열을 </a:t>
+            </a:r>
+            <a:r>
+              <a:rPr lang="en-US" altLang="ko-KR"/>
+              <a:t>analyzer</a:t>
             </a:r>
             <a:r>
               <a:rPr lang="ko-KR" altLang="en-US"/>
-              <a:t>쿼리는 검색어의 순서도 </a:t>
-            </a:r>
-            <a:r>
-              <a:rPr lang="ko-KR" altLang="en-US" smtClean="0"/>
-              <a:t>고려함</a:t>
+              <a:t>를 통해 분석한 후 </a:t>
+            </a:r>
+            <a:endParaRPr lang="en-US" altLang="ko-KR" smtClean="0"/>
+          </a:p>
+          <a:p>
+            <a:r>
+              <a:rPr lang="en-US" altLang="ko-KR" smtClean="0"/>
+              <a:t>inverted </a:t>
+            </a:r>
+            <a:r>
+              <a:rPr lang="en-US" altLang="ko-KR"/>
+              <a:t>index</a:t>
+            </a:r>
+            <a:r>
+              <a:rPr lang="ko-KR" altLang="en-US"/>
+              <a:t>에서 해당 문자열의 토큰을 가지고 있는 문서를 </a:t>
+            </a:r>
+            <a:r>
+              <a:rPr lang="ko-KR" altLang="en-US" smtClean="0"/>
+              <a:t>검색</a:t>
             </a:r>
             <a:endParaRPr lang="en-US" altLang="ko-KR" smtClean="0"/>
           </a:p>
@@ -8409,10 +9060,44 @@
               <a:buChar char="•"/>
             </a:pPr>
             <a:r>
-              <a:rPr lang="ko-KR" altLang="en-US" smtClean="0"/>
-              <a:t>검색어의 순서가 중요할 경우 사용</a:t>
-            </a:r>
-            <a:endParaRPr lang="ko-KR" altLang="en-US"/>
+              <a:rPr lang="ko-KR" altLang="en-US"/>
+              <a:t>문서의 해당 필드에 설정해놓은 </a:t>
+            </a:r>
+            <a:r>
+              <a:rPr lang="en-US" altLang="ko-KR"/>
+              <a:t>analyzer</a:t>
+            </a:r>
+            <a:r>
+              <a:rPr lang="ko-KR" altLang="en-US"/>
+              <a:t>를 기본으로 사용</a:t>
+            </a:r>
+            <a:r>
+              <a:rPr lang="en-US" altLang="ko-KR"/>
+              <a:t>, </a:t>
+            </a:r>
+            <a:r>
+              <a:rPr lang="ko-KR" altLang="en-US"/>
+              <a:t>필요할 경우 별도로 명시하면 </a:t>
+            </a:r>
+            <a:r>
+              <a:rPr lang="ko-KR" altLang="en-US" smtClean="0"/>
+              <a:t>됨</a:t>
+            </a:r>
+            <a:endParaRPr lang="en-US" altLang="ko-KR" smtClean="0"/>
+          </a:p>
+          <a:p>
+            <a:pPr marL="285750" indent="-285750">
+              <a:buFont typeface="Arial" panose="020B0604020202020204" pitchFamily="34" charset="0"/>
+              <a:buChar char="•"/>
+            </a:pPr>
+            <a:r>
+              <a:rPr lang="en-US" altLang="ko-KR"/>
+              <a:t>match </a:t>
+            </a:r>
+            <a:r>
+              <a:rPr lang="ko-KR" altLang="en-US"/>
+              <a:t>쿼리는 어떤 토큰이 먼저 있는지에 대한 순서는 고려하지 않음</a:t>
+            </a:r>
           </a:p>
           <a:p>
             <a:pPr marL="285750" indent="-285750">
@@ -8431,7 +9116,7 @@
         </p:nvSpPr>
         <p:spPr>
           <a:xfrm>
-            <a:off x="491489" y="2410885"/>
+            <a:off x="491489" y="2848215"/>
             <a:ext cx="11234345" cy="2930286"/>
           </a:xfrm>
           <a:prstGeom prst="roundRect">
@@ -8490,22 +9175,19 @@
           <a:p>
             <a:r>
               <a:rPr lang="en-US" altLang="ko-KR"/>
-              <a:t>    "</a:t>
+              <a:t>    "match": { </a:t>
+            </a:r>
+          </a:p>
+          <a:p>
+            <a:r>
+              <a:rPr lang="en-US" altLang="ko-KR"/>
+              <a:t>      "description": </a:t>
             </a:r>
             <a:r>
               <a:rPr lang="en-US" altLang="ko-KR" smtClean="0"/>
-              <a:t>match_phrase": </a:t>
-            </a:r>
-            <a:r>
-              <a:rPr lang="en-US" altLang="ko-KR"/>
-              <a:t>{ </a:t>
-            </a:r>
-          </a:p>
-          <a:p>
-            <a:r>
-              <a:rPr lang="en-US" altLang="ko-KR"/>
-              <a:t>      "description": "Linux Kernel"</a:t>
-            </a:r>
+              <a:t>"nginx guide"</a:t>
+            </a:r>
+            <a:endParaRPr lang="en-US" altLang="ko-KR"/>
           </a:p>
           <a:p>
             <a:r>
@@ -8530,7 +9212,7 @@
     </p:spTree>
     <p:extLst>
       <p:ext uri="{BB962C8B-B14F-4D97-AF65-F5344CB8AC3E}">
-        <p14:creationId xmlns:p14="http://schemas.microsoft.com/office/powerpoint/2010/main" val="783455804"/>
+        <p14:creationId xmlns:p14="http://schemas.microsoft.com/office/powerpoint/2010/main" val="3828434317"/>
       </p:ext>
     </p:extLst>
   </p:cSld>
@@ -8720,7 +9402,7 @@
         <p:spPr>
           <a:xfrm>
             <a:off x="491490" y="948774"/>
-            <a:ext cx="2073453" cy="369332"/>
+            <a:ext cx="2236959" cy="369332"/>
           </a:xfrm>
           <a:prstGeom prst="rect">
             <a:avLst/>
@@ -8735,7 +9417,7 @@
           <a:p>
             <a:r>
               <a:rPr lang="en-US" altLang="ko-KR" b="1"/>
-              <a:t>multi_match </a:t>
+              <a:t>match_phrase </a:t>
             </a:r>
             <a:r>
               <a:rPr lang="ko-KR" altLang="en-US" b="1"/>
@@ -8753,7 +9435,7 @@
         <p:spPr>
           <a:xfrm>
             <a:off x="623843" y="1486763"/>
-            <a:ext cx="9236631" cy="369332"/>
+            <a:ext cx="6966844" cy="923330"/>
           </a:xfrm>
           <a:prstGeom prst="rect">
             <a:avLst/>
@@ -8772,28 +9454,43 @@
             </a:pPr>
             <a:r>
               <a:rPr lang="en-US" altLang="ko-KR"/>
-              <a:t>multi_match</a:t>
+              <a:t>match</a:t>
             </a:r>
             <a:r>
               <a:rPr lang="ko-KR" altLang="en-US"/>
-              <a:t>는 </a:t>
-            </a:r>
-            <a:r>
-              <a:rPr lang="en-US" altLang="ko-KR"/>
-              <a:t>match</a:t>
+              <a:t>와는 달리 </a:t>
+            </a:r>
+            <a:r>
+              <a:rPr lang="en-US" altLang="ko-KR"/>
+              <a:t>match_phrase </a:t>
             </a:r>
             <a:r>
               <a:rPr lang="ko-KR" altLang="en-US"/>
-              <a:t>와 동일하지만 두 개 이상의 필드에 </a:t>
-            </a:r>
-            <a:r>
-              <a:rPr lang="en-US" altLang="ko-KR"/>
-              <a:t>match </a:t>
-            </a:r>
-            <a:r>
-              <a:rPr lang="ko-KR" altLang="en-US"/>
-              <a:t>쿼리를 날릴 수 있음</a:t>
-            </a:r>
+              <a:t>쿼리는 검색어의 순서도 </a:t>
+            </a:r>
+            <a:r>
+              <a:rPr lang="ko-KR" altLang="en-US" smtClean="0"/>
+              <a:t>고려함</a:t>
+            </a:r>
+            <a:endParaRPr lang="en-US" altLang="ko-KR" smtClean="0"/>
+          </a:p>
+          <a:p>
+            <a:pPr marL="285750" indent="-285750">
+              <a:buFont typeface="Arial" panose="020B0604020202020204" pitchFamily="34" charset="0"/>
+              <a:buChar char="•"/>
+            </a:pPr>
+            <a:r>
+              <a:rPr lang="ko-KR" altLang="en-US" smtClean="0"/>
+              <a:t>검색어의 순서가 중요할 경우 사용</a:t>
+            </a:r>
+            <a:endParaRPr lang="ko-KR" altLang="en-US"/>
+          </a:p>
+          <a:p>
+            <a:pPr marL="285750" indent="-285750">
+              <a:buFont typeface="Arial" panose="020B0604020202020204" pitchFamily="34" charset="0"/>
+              <a:buChar char="•"/>
+            </a:pPr>
+            <a:endParaRPr lang="ko-KR" altLang="en-US"/>
           </a:p>
         </p:txBody>
       </p:sp>
@@ -8805,8 +9502,8 @@
         </p:nvSpPr>
         <p:spPr>
           <a:xfrm>
-            <a:off x="491489" y="2101579"/>
-            <a:ext cx="11234345" cy="3468275"/>
+            <a:off x="491489" y="2410885"/>
+            <a:ext cx="11234345" cy="2930286"/>
           </a:xfrm>
           <a:prstGeom prst="roundRect">
             <a:avLst/>
@@ -8864,19 +9561,21 @@
           <a:p>
             <a:r>
               <a:rPr lang="en-US" altLang="ko-KR"/>
-              <a:t>    "multi_match": { </a:t>
-            </a:r>
-          </a:p>
-          <a:p>
-            <a:r>
-              <a:rPr lang="en-US" altLang="ko-KR"/>
-              <a:t>      "query": "kernel",</a:t>
-            </a:r>
-          </a:p>
-          <a:p>
-            <a:r>
-              <a:rPr lang="en-US" altLang="ko-KR"/>
-              <a:t>      "fields": ["title", "description"]</a:t>
+              <a:t>    "</a:t>
+            </a:r>
+            <a:r>
+              <a:rPr lang="en-US" altLang="ko-KR" smtClean="0"/>
+              <a:t>match_phrase": </a:t>
+            </a:r>
+            <a:r>
+              <a:rPr lang="en-US" altLang="ko-KR"/>
+              <a:t>{ </a:t>
+            </a:r>
+          </a:p>
+          <a:p>
+            <a:r>
+              <a:rPr lang="en-US" altLang="ko-KR"/>
+              <a:t>      "description": "Linux Kernel"</a:t>
             </a:r>
           </a:p>
           <a:p>
@@ -8902,7 +9601,7 @@
     </p:spTree>
     <p:extLst>
       <p:ext uri="{BB962C8B-B14F-4D97-AF65-F5344CB8AC3E}">
-        <p14:creationId xmlns:p14="http://schemas.microsoft.com/office/powerpoint/2010/main" val="3673348327"/>
+        <p14:creationId xmlns:p14="http://schemas.microsoft.com/office/powerpoint/2010/main" val="783455804"/>
       </p:ext>
     </p:extLst>
   </p:cSld>
@@ -9092,7 +9791,7 @@
         <p:spPr>
           <a:xfrm>
             <a:off x="491490" y="948774"/>
-            <a:ext cx="2099742" cy="369332"/>
+            <a:ext cx="2073453" cy="369332"/>
           </a:xfrm>
           <a:prstGeom prst="rect">
             <a:avLst/>
@@ -9107,7 +9806,7 @@
           <a:p>
             <a:r>
               <a:rPr lang="en-US" altLang="ko-KR" b="1"/>
-              <a:t>query_string </a:t>
+              <a:t>multi_match </a:t>
             </a:r>
             <a:r>
               <a:rPr lang="ko-KR" altLang="en-US" b="1"/>
@@ -9125,7 +9824,7 @@
         <p:spPr>
           <a:xfrm>
             <a:off x="623843" y="1486763"/>
-            <a:ext cx="9236631" cy="646331"/>
+            <a:ext cx="9236631" cy="369332"/>
           </a:xfrm>
           <a:prstGeom prst="rect">
             <a:avLst/>
@@ -9164,24 +9863,8 @@
             </a:r>
             <a:r>
               <a:rPr lang="ko-KR" altLang="en-US"/>
-              <a:t>쿼리를 날릴 수 </a:t>
-            </a:r>
-            <a:r>
-              <a:rPr lang="ko-KR" altLang="en-US" smtClean="0"/>
-              <a:t>있음</a:t>
-            </a:r>
-            <a:endParaRPr lang="en-US" altLang="ko-KR" smtClean="0"/>
-          </a:p>
-          <a:p>
-            <a:pPr marL="285750" indent="-285750">
-              <a:buFont typeface="Arial" panose="020B0604020202020204" pitchFamily="34" charset="0"/>
-              <a:buChar char="•"/>
-            </a:pPr>
-            <a:r>
-              <a:rPr lang="ko-KR" altLang="en-US" smtClean="0"/>
-              <a:t>와일드카드 형태로도 검색이 가능하나 성능이 좋지 않음</a:t>
-            </a:r>
-            <a:endParaRPr lang="ko-KR" altLang="en-US"/>
+              <a:t>쿼리를 날릴 수 있음</a:t>
+            </a:r>
           </a:p>
         </p:txBody>
       </p:sp>
@@ -9193,7 +9876,7 @@
         </p:nvSpPr>
         <p:spPr>
           <a:xfrm>
-            <a:off x="491489" y="2465340"/>
+            <a:off x="491489" y="2101579"/>
             <a:ext cx="11234345" cy="3468275"/>
           </a:xfrm>
           <a:prstGeom prst="roundRect">
@@ -9252,19 +9935,19 @@
           <a:p>
             <a:r>
               <a:rPr lang="en-US" altLang="ko-KR"/>
-              <a:t>    "query_string": { </a:t>
-            </a:r>
-          </a:p>
-          <a:p>
-            <a:r>
-              <a:rPr lang="en-US" altLang="ko-KR"/>
-              <a:t>      "fields": ["title"],</a:t>
-            </a:r>
-          </a:p>
-          <a:p>
-            <a:r>
-              <a:rPr lang="en-US" altLang="ko-KR"/>
-              <a:t>      "query": "Linux"</a:t>
+              <a:t>    "multi_match": { </a:t>
+            </a:r>
+          </a:p>
+          <a:p>
+            <a:r>
+              <a:rPr lang="en-US" altLang="ko-KR"/>
+              <a:t>      "query": "kernel",</a:t>
+            </a:r>
+          </a:p>
+          <a:p>
+            <a:r>
+              <a:rPr lang="en-US" altLang="ko-KR"/>
+              <a:t>      "fields": ["title", "description"]</a:t>
             </a:r>
           </a:p>
           <a:p>
@@ -9290,7 +9973,7 @@
     </p:spTree>
     <p:extLst>
       <p:ext uri="{BB962C8B-B14F-4D97-AF65-F5344CB8AC3E}">
-        <p14:creationId xmlns:p14="http://schemas.microsoft.com/office/powerpoint/2010/main" val="1222658406"/>
+        <p14:creationId xmlns:p14="http://schemas.microsoft.com/office/powerpoint/2010/main" val="3673348327"/>
       </p:ext>
     </p:extLst>
   </p:cSld>
@@ -9480,7 +10163,7 @@
         <p:spPr>
           <a:xfrm>
             <a:off x="491490" y="948774"/>
-            <a:ext cx="1679819" cy="369332"/>
+            <a:ext cx="2099742" cy="369332"/>
           </a:xfrm>
           <a:prstGeom prst="rect">
             <a:avLst/>
@@ -9495,46 +10178,25 @@
           <a:p>
             <a:r>
               <a:rPr lang="en-US" altLang="ko-KR" b="1"/>
-              <a:t>Filter Context</a:t>
-            </a:r>
-            <a:endParaRPr lang="ko-KR" altLang="en-US" b="1"/>
-          </a:p>
-        </p:txBody>
-      </p:sp>
-      <p:pic>
-        <p:nvPicPr>
-          <p:cNvPr id="4" name="그림 3"/>
-          <p:cNvPicPr>
-            <a:picLocks noChangeAspect="1"/>
-          </p:cNvPicPr>
-          <p:nvPr/>
-        </p:nvPicPr>
-        <p:blipFill>
-          <a:blip r:embed="rId5"/>
-          <a:stretch>
-            <a:fillRect/>
-          </a:stretch>
-        </p:blipFill>
-        <p:spPr>
-          <a:xfrm>
-            <a:off x="491490" y="2416588"/>
-            <a:ext cx="10269383" cy="2924583"/>
-          </a:xfrm>
-          <a:prstGeom prst="rect">
-            <a:avLst/>
-          </a:prstGeom>
-        </p:spPr>
-      </p:pic>
-      <p:sp>
-        <p:nvSpPr>
-          <p:cNvPr id="11" name="TextBox 10"/>
+              <a:t>query_string </a:t>
+            </a:r>
+            <a:r>
+              <a:rPr lang="ko-KR" altLang="en-US" b="1"/>
+              <a:t>쿼리</a:t>
+            </a:r>
+          </a:p>
+        </p:txBody>
+      </p:sp>
+      <p:sp>
+        <p:nvSpPr>
+          <p:cNvPr id="9" name="TextBox 8"/>
           <p:cNvSpPr txBox="1"/>
           <p:nvPr/>
         </p:nvSpPr>
         <p:spPr>
           <a:xfrm>
             <a:off x="623843" y="1486763"/>
-            <a:ext cx="9824549" cy="1200329"/>
+            <a:ext cx="9236631" cy="646331"/>
           </a:xfrm>
           <a:prstGeom prst="rect">
             <a:avLst/>
@@ -9552,27 +10214,32 @@
               <a:buChar char="•"/>
             </a:pPr>
             <a:r>
-              <a:rPr lang="en-US" altLang="ko-KR" smtClean="0"/>
-              <a:t>Query Context</a:t>
-            </a:r>
-            <a:r>
-              <a:rPr lang="ko-KR" altLang="en-US" smtClean="0"/>
-              <a:t>는 검색어가 문서에 얼마나 매칭되는지 계산하고 찾는다면 </a:t>
-            </a:r>
-            <a:r>
-              <a:rPr lang="en-US" altLang="ko-KR" smtClean="0"/>
-              <a:t>Filter Context</a:t>
-            </a:r>
-            <a:r>
-              <a:rPr lang="ko-KR" altLang="en-US" smtClean="0"/>
+              <a:rPr lang="en-US" altLang="ko-KR"/>
+              <a:t>multi_match</a:t>
+            </a:r>
+            <a:r>
+              <a:rPr lang="ko-KR" altLang="en-US"/>
               <a:t>는 </a:t>
             </a:r>
-            <a:endParaRPr lang="en-US" altLang="ko-KR" smtClean="0"/>
-          </a:p>
-          <a:p>
-            <a:r>
-              <a:rPr lang="ko-KR" altLang="en-US" smtClean="0"/>
-              <a:t>검색어의 포함 여부를 찾는 형태</a:t>
+            <a:r>
+              <a:rPr lang="en-US" altLang="ko-KR"/>
+              <a:t>match</a:t>
+            </a:r>
+            <a:r>
+              <a:rPr lang="ko-KR" altLang="en-US"/>
+              <a:t>와 동일하지만 두 개 이상의 필드에 </a:t>
+            </a:r>
+            <a:r>
+              <a:rPr lang="en-US" altLang="ko-KR"/>
+              <a:t>match </a:t>
+            </a:r>
+            <a:r>
+              <a:rPr lang="ko-KR" altLang="en-US"/>
+              <a:t>쿼리를 날릴 수 </a:t>
+            </a:r>
+            <a:r>
+              <a:rPr lang="ko-KR" altLang="en-US" smtClean="0"/>
+              <a:t>있음</a:t>
             </a:r>
             <a:endParaRPr lang="en-US" altLang="ko-KR" smtClean="0"/>
           </a:p>
@@ -9582,28 +10249,119 @@
               <a:buChar char="•"/>
             </a:pPr>
             <a:r>
-              <a:rPr lang="ko-KR" altLang="en-US"/>
-              <a:t>둘 사이의 가장 큰 차이점은 </a:t>
-            </a:r>
-            <a:r>
-              <a:rPr lang="en-US" altLang="ko-KR"/>
-              <a:t>analyzer </a:t>
-            </a:r>
-            <a:r>
-              <a:rPr lang="ko-KR" altLang="en-US"/>
-              <a:t>하는지 여부</a:t>
-            </a:r>
-            <a:endParaRPr lang="en-US" altLang="ko-KR" smtClean="0"/>
-          </a:p>
-          <a:p>
+              <a:rPr lang="ko-KR" altLang="en-US" smtClean="0"/>
+              <a:t>와일드카드 형태로도 검색이 가능하나 성능이 좋지 않음</a:t>
+            </a:r>
             <a:endParaRPr lang="ko-KR" altLang="en-US"/>
+          </a:p>
+        </p:txBody>
+      </p:sp>
+      <p:sp>
+        <p:nvSpPr>
+          <p:cNvPr id="10" name="모서리가 둥근 직사각형 9"/>
+          <p:cNvSpPr/>
+          <p:nvPr/>
+        </p:nvSpPr>
+        <p:spPr>
+          <a:xfrm>
+            <a:off x="491489" y="2465340"/>
+            <a:ext cx="11234345" cy="3468275"/>
+          </a:xfrm>
+          <a:prstGeom prst="roundRect">
+            <a:avLst/>
+          </a:prstGeom>
+          <a:solidFill>
+            <a:schemeClr val="tx1">
+              <a:lumMod val="65000"/>
+              <a:lumOff val="35000"/>
+            </a:schemeClr>
+          </a:solidFill>
+        </p:spPr>
+        <p:style>
+          <a:lnRef idx="2">
+            <a:schemeClr val="accent1">
+              <a:shade val="50000"/>
+            </a:schemeClr>
+          </a:lnRef>
+          <a:fillRef idx="1">
+            <a:schemeClr val="accent1"/>
+          </a:fillRef>
+          <a:effectRef idx="0">
+            <a:schemeClr val="accent1"/>
+          </a:effectRef>
+          <a:fontRef idx="minor">
+            <a:schemeClr val="lt1"/>
+          </a:fontRef>
+        </p:style>
+        <p:txBody>
+          <a:bodyPr rtlCol="0" anchor="ctr"/>
+          <a:lstStyle/>
+          <a:p>
+            <a:r>
+              <a:rPr lang="en-US" altLang="ko-KR"/>
+              <a:t>curl -X GET "localhost:9200/book_data/_search?pretty" \</a:t>
+            </a:r>
+          </a:p>
+          <a:p>
+            <a:r>
+              <a:rPr lang="en-US" altLang="ko-KR"/>
+              <a:t>-H 'Content-Type: application/json' \</a:t>
+            </a:r>
+          </a:p>
+          <a:p>
+            <a:r>
+              <a:rPr lang="en-US" altLang="ko-KR"/>
+              <a:t>-d '{</a:t>
+            </a:r>
+          </a:p>
+          <a:p>
+            <a:r>
+              <a:rPr lang="en-US" altLang="ko-KR"/>
+              <a:t>  "query": {</a:t>
+            </a:r>
+          </a:p>
+          <a:p>
+            <a:r>
+              <a:rPr lang="en-US" altLang="ko-KR"/>
+              <a:t>    "query_string": { </a:t>
+            </a:r>
+          </a:p>
+          <a:p>
+            <a:r>
+              <a:rPr lang="en-US" altLang="ko-KR"/>
+              <a:t>      "fields": ["title"],</a:t>
+            </a:r>
+          </a:p>
+          <a:p>
+            <a:r>
+              <a:rPr lang="en-US" altLang="ko-KR"/>
+              <a:t>      "query": "Linux"</a:t>
+            </a:r>
+          </a:p>
+          <a:p>
+            <a:r>
+              <a:rPr lang="en-US" altLang="ko-KR"/>
+              <a:t>    }</a:t>
+            </a:r>
+          </a:p>
+          <a:p>
+            <a:r>
+              <a:rPr lang="en-US" altLang="ko-KR"/>
+              <a:t>  }</a:t>
+            </a:r>
+          </a:p>
+          <a:p>
+            <a:r>
+              <a:rPr lang="en-US" altLang="ko-KR"/>
+              <a:t>}'</a:t>
+            </a:r>
           </a:p>
         </p:txBody>
       </p:sp>
     </p:spTree>
     <p:extLst>
       <p:ext uri="{BB962C8B-B14F-4D97-AF65-F5344CB8AC3E}">
-        <p14:creationId xmlns:p14="http://schemas.microsoft.com/office/powerpoint/2010/main" val="1122269505"/>
+        <p14:creationId xmlns:p14="http://schemas.microsoft.com/office/powerpoint/2010/main" val="1222658406"/>
       </p:ext>
     </p:extLst>
   </p:cSld>
@@ -9793,7 +10551,7 @@
         <p:spPr>
           <a:xfrm>
             <a:off x="491490" y="948774"/>
-            <a:ext cx="1247008" cy="369332"/>
+            <a:ext cx="1679819" cy="369332"/>
           </a:xfrm>
           <a:prstGeom prst="rect">
             <a:avLst/>
@@ -9808,15 +10566,36 @@
           <a:p>
             <a:r>
               <a:rPr lang="en-US" altLang="ko-KR" b="1"/>
-              <a:t>term </a:t>
-            </a:r>
-            <a:r>
-              <a:rPr lang="ko-KR" altLang="en-US" b="1"/>
-              <a:t>쿼리</a:t>
-            </a:r>
-          </a:p>
-        </p:txBody>
-      </p:sp>
+              <a:t>Filter Context</a:t>
+            </a:r>
+            <a:endParaRPr lang="ko-KR" altLang="en-US" b="1"/>
+          </a:p>
+        </p:txBody>
+      </p:sp>
+      <p:pic>
+        <p:nvPicPr>
+          <p:cNvPr id="4" name="그림 3"/>
+          <p:cNvPicPr>
+            <a:picLocks noChangeAspect="1"/>
+          </p:cNvPicPr>
+          <p:nvPr/>
+        </p:nvPicPr>
+        <p:blipFill>
+          <a:blip r:embed="rId5"/>
+          <a:stretch>
+            <a:fillRect/>
+          </a:stretch>
+        </p:blipFill>
+        <p:spPr>
+          <a:xfrm>
+            <a:off x="491490" y="2416588"/>
+            <a:ext cx="10269383" cy="2924583"/>
+          </a:xfrm>
+          <a:prstGeom prst="rect">
+            <a:avLst/>
+          </a:prstGeom>
+        </p:spPr>
+      </p:pic>
       <p:sp>
         <p:nvSpPr>
           <p:cNvPr id="11" name="TextBox 10"/>
@@ -9826,7 +10605,7 @@
         <p:spPr>
           <a:xfrm>
             <a:off x="623843" y="1486763"/>
-            <a:ext cx="5917838" cy="646331"/>
+            <a:ext cx="9824549" cy="1200329"/>
           </a:xfrm>
           <a:prstGeom prst="rect">
             <a:avLst/>
@@ -9844,13 +10623,29 @@
               <a:buChar char="•"/>
             </a:pPr>
             <a:r>
-              <a:rPr lang="en-US" altLang="ko-KR"/>
-              <a:t>term </a:t>
-            </a:r>
-            <a:r>
-              <a:rPr lang="ko-KR" altLang="en-US"/>
-              <a:t>쿼리는 정확하게 일치되는 단어를 찾을 떄 사용</a:t>
-            </a:r>
+              <a:rPr lang="en-US" altLang="ko-KR" smtClean="0"/>
+              <a:t>Query Context</a:t>
+            </a:r>
+            <a:r>
+              <a:rPr lang="ko-KR" altLang="en-US" smtClean="0"/>
+              <a:t>는 검색어가 문서에 얼마나 매칭되는지 계산하고 찾는다면 </a:t>
+            </a:r>
+            <a:r>
+              <a:rPr lang="en-US" altLang="ko-KR" smtClean="0"/>
+              <a:t>Filter Context</a:t>
+            </a:r>
+            <a:r>
+              <a:rPr lang="ko-KR" altLang="en-US" smtClean="0"/>
+              <a:t>는 </a:t>
+            </a:r>
+            <a:endParaRPr lang="en-US" altLang="ko-KR" smtClean="0"/>
+          </a:p>
+          <a:p>
+            <a:r>
+              <a:rPr lang="ko-KR" altLang="en-US" smtClean="0"/>
+              <a:t>검색어의 포함 여부를 찾는 형태</a:t>
+            </a:r>
+            <a:endParaRPr lang="en-US" altLang="ko-KR" smtClean="0"/>
           </a:p>
           <a:p>
             <a:pPr marL="285750" indent="-285750">
@@ -9858,134 +10653,28 @@
               <a:buChar char="•"/>
             </a:pPr>
             <a:r>
-              <a:rPr lang="en-US" altLang="ko-KR"/>
-              <a:t>analyze </a:t>
-            </a:r>
-            <a:r>
               <a:rPr lang="ko-KR" altLang="en-US"/>
-              <a:t>하지 않음</a:t>
-            </a:r>
-            <a:r>
-              <a:rPr lang="en-US" altLang="ko-KR"/>
-              <a:t>, </a:t>
+              <a:t>둘 사이의 가장 큰 차이점은 </a:t>
+            </a:r>
+            <a:r>
+              <a:rPr lang="en-US" altLang="ko-KR"/>
+              <a:t>analyzer </a:t>
             </a:r>
             <a:r>
               <a:rPr lang="ko-KR" altLang="en-US"/>
-              <a:t>대소문자 구분</a:t>
-            </a:r>
-          </a:p>
-        </p:txBody>
-      </p:sp>
-      <p:sp>
-        <p:nvSpPr>
-          <p:cNvPr id="10" name="모서리가 둥근 직사각형 9"/>
-          <p:cNvSpPr/>
-          <p:nvPr/>
-        </p:nvSpPr>
-        <p:spPr>
-          <a:xfrm>
-            <a:off x="491489" y="2465340"/>
-            <a:ext cx="11234345" cy="3468275"/>
-          </a:xfrm>
-          <a:prstGeom prst="roundRect">
-            <a:avLst/>
-          </a:prstGeom>
-          <a:solidFill>
-            <a:schemeClr val="tx1">
-              <a:lumMod val="65000"/>
-              <a:lumOff val="35000"/>
-            </a:schemeClr>
-          </a:solidFill>
-        </p:spPr>
-        <p:style>
-          <a:lnRef idx="2">
-            <a:schemeClr val="accent1">
-              <a:shade val="50000"/>
-            </a:schemeClr>
-          </a:lnRef>
-          <a:fillRef idx="1">
-            <a:schemeClr val="accent1"/>
-          </a:fillRef>
-          <a:effectRef idx="0">
-            <a:schemeClr val="accent1"/>
-          </a:effectRef>
-          <a:fontRef idx="minor">
-            <a:schemeClr val="lt1"/>
-          </a:fontRef>
-        </p:style>
-        <p:txBody>
-          <a:bodyPr rtlCol="0" anchor="ctr"/>
-          <a:lstStyle/>
-          <a:p>
-            <a:r>
-              <a:rPr lang="en-US" altLang="ko-KR"/>
-              <a:t>curl -X GET "localhost:9200/book_data/_search?pretty" \</a:t>
-            </a:r>
-          </a:p>
-          <a:p>
-            <a:r>
-              <a:rPr lang="en-US" altLang="ko-KR"/>
-              <a:t>-H 'Content-Type: application/json' \</a:t>
-            </a:r>
-          </a:p>
-          <a:p>
-            <a:r>
-              <a:rPr lang="en-US" altLang="ko-KR"/>
-              <a:t>-d '{</a:t>
-            </a:r>
-          </a:p>
-          <a:p>
-            <a:r>
-              <a:rPr lang="en-US" altLang="ko-KR"/>
-              <a:t>  "query": {</a:t>
-            </a:r>
-          </a:p>
-          <a:p>
-            <a:r>
-              <a:rPr lang="en-US" altLang="ko-KR"/>
-              <a:t>    "term": { </a:t>
-            </a:r>
-          </a:p>
-          <a:p>
-            <a:r>
-              <a:rPr lang="en-US" altLang="ko-KR"/>
-              <a:t>      "title": </a:t>
-            </a:r>
-            <a:r>
-              <a:rPr lang="en-US" altLang="ko-KR" smtClean="0"/>
-              <a:t>"Linux"</a:t>
-            </a:r>
-            <a:endParaRPr lang="en-US" altLang="ko-KR"/>
-          </a:p>
-          <a:p>
-            <a:r>
-              <a:rPr lang="en-US" altLang="ko-KR"/>
-              <a:t>    </a:t>
-            </a:r>
-            <a:r>
-              <a:rPr lang="en-US" altLang="ko-KR" smtClean="0"/>
-              <a:t>}</a:t>
-            </a:r>
-            <a:endParaRPr lang="en-US" altLang="ko-KR"/>
-          </a:p>
-          <a:p>
-            <a:r>
-              <a:rPr lang="en-US" altLang="ko-KR"/>
-              <a:t>  }</a:t>
-            </a:r>
-          </a:p>
-          <a:p>
-            <a:r>
-              <a:rPr lang="en-US" altLang="ko-KR"/>
-              <a:t>}'</a:t>
-            </a:r>
+              <a:t>하는지 여부</a:t>
+            </a:r>
+            <a:endParaRPr lang="en-US" altLang="ko-KR" smtClean="0"/>
+          </a:p>
+          <a:p>
+            <a:endParaRPr lang="ko-KR" altLang="en-US"/>
           </a:p>
         </p:txBody>
       </p:sp>
     </p:spTree>
     <p:extLst>
       <p:ext uri="{BB962C8B-B14F-4D97-AF65-F5344CB8AC3E}">
-        <p14:creationId xmlns:p14="http://schemas.microsoft.com/office/powerpoint/2010/main" val="2827090999"/>
+        <p14:creationId xmlns:p14="http://schemas.microsoft.com/office/powerpoint/2010/main" val="1122269505"/>
       </p:ext>
     </p:extLst>
   </p:cSld>
@@ -10175,7 +10864,7 @@
         <p:spPr>
           <a:xfrm>
             <a:off x="491490" y="948774"/>
-            <a:ext cx="1354410" cy="369332"/>
+            <a:ext cx="1247008" cy="369332"/>
           </a:xfrm>
           <a:prstGeom prst="rect">
             <a:avLst/>
@@ -10190,7 +10879,7 @@
           <a:p>
             <a:r>
               <a:rPr lang="en-US" altLang="ko-KR" b="1"/>
-              <a:t>terms </a:t>
+              <a:t>term </a:t>
             </a:r>
             <a:r>
               <a:rPr lang="ko-KR" altLang="en-US" b="1"/>
@@ -10208,7 +10897,7 @@
         <p:spPr>
           <a:xfrm>
             <a:off x="623843" y="1486763"/>
-            <a:ext cx="3907673" cy="369332"/>
+            <a:ext cx="5917838" cy="646331"/>
           </a:xfrm>
           <a:prstGeom prst="rect">
             <a:avLst/>
@@ -10226,18 +10915,35 @@
               <a:buChar char="•"/>
             </a:pPr>
             <a:r>
-              <a:rPr lang="ko-KR" altLang="en-US" smtClean="0"/>
-              <a:t>둘 이상의 </a:t>
-            </a:r>
-            <a:r>
-              <a:rPr lang="en-US" altLang="ko-KR" smtClean="0"/>
-              <a:t>term</a:t>
-            </a:r>
-            <a:r>
-              <a:rPr lang="ko-KR" altLang="en-US" smtClean="0"/>
-              <a:t>을 검색할 때 사용</a:t>
-            </a:r>
-            <a:endParaRPr lang="ko-KR" altLang="en-US"/>
+              <a:rPr lang="en-US" altLang="ko-KR"/>
+              <a:t>term </a:t>
+            </a:r>
+            <a:r>
+              <a:rPr lang="ko-KR" altLang="en-US"/>
+              <a:t>쿼리는 정확하게 일치되는 단어를 찾을 떄 사용</a:t>
+            </a:r>
+          </a:p>
+          <a:p>
+            <a:pPr marL="285750" indent="-285750">
+              <a:buFont typeface="Arial" panose="020B0604020202020204" pitchFamily="34" charset="0"/>
+              <a:buChar char="•"/>
+            </a:pPr>
+            <a:r>
+              <a:rPr lang="en-US" altLang="ko-KR"/>
+              <a:t>analyze </a:t>
+            </a:r>
+            <a:r>
+              <a:rPr lang="ko-KR" altLang="en-US"/>
+              <a:t>하지 않음</a:t>
+            </a:r>
+            <a:r>
+              <a:rPr lang="en-US" altLang="ko-KR"/>
+              <a:t>, </a:t>
+            </a:r>
+            <a:r>
+              <a:rPr lang="ko-KR" altLang="en-US"/>
+              <a:t>대소문자 구분</a:t>
+            </a:r>
           </a:p>
         </p:txBody>
       </p:sp>
@@ -10308,20 +11014,30 @@
           <a:p>
             <a:r>
               <a:rPr lang="en-US" altLang="ko-KR"/>
-              <a:t>    "terms": { </a:t>
-            </a:r>
-          </a:p>
-          <a:p>
-            <a:r>
-              <a:rPr lang="en-US" altLang="ko-KR"/>
-              <a:t>      "title": ["linux", "development"]</a:t>
-            </a:r>
-          </a:p>
-          <a:p>
-            <a:r>
-              <a:rPr lang="en-US" altLang="ko-KR"/>
-              <a:t>    }</a:t>
-            </a:r>
+              <a:t>    "term": { </a:t>
+            </a:r>
+          </a:p>
+          <a:p>
+            <a:r>
+              <a:rPr lang="en-US" altLang="ko-KR"/>
+              <a:t>      "title": </a:t>
+            </a:r>
+            <a:r>
+              <a:rPr lang="en-US" altLang="ko-KR" smtClean="0"/>
+              <a:t>"Linux"</a:t>
+            </a:r>
+            <a:endParaRPr lang="en-US" altLang="ko-KR"/>
+          </a:p>
+          <a:p>
+            <a:r>
+              <a:rPr lang="en-US" altLang="ko-KR"/>
+              <a:t>    </a:t>
+            </a:r>
+            <a:r>
+              <a:rPr lang="en-US" altLang="ko-KR" smtClean="0"/>
+              <a:t>}</a:t>
+            </a:r>
+            <a:endParaRPr lang="en-US" altLang="ko-KR"/>
           </a:p>
           <a:p>
             <a:r>
@@ -10340,7 +11056,7 @@
     </p:spTree>
     <p:extLst>
       <p:ext uri="{BB962C8B-B14F-4D97-AF65-F5344CB8AC3E}">
-        <p14:creationId xmlns:p14="http://schemas.microsoft.com/office/powerpoint/2010/main" val="2157158556"/>
+        <p14:creationId xmlns:p14="http://schemas.microsoft.com/office/powerpoint/2010/main" val="2827090999"/>
       </p:ext>
     </p:extLst>
   </p:cSld>
@@ -10545,7 +11261,7 @@
           <a:p>
             <a:r>
               <a:rPr lang="en-US" altLang="ko-KR" b="1"/>
-              <a:t>range </a:t>
+              <a:t>terms </a:t>
             </a:r>
             <a:r>
               <a:rPr lang="ko-KR" altLang="en-US" b="1"/>
@@ -10563,7 +11279,7 @@
         <p:spPr>
           <a:xfrm>
             <a:off x="623843" y="1486763"/>
-            <a:ext cx="8895384" cy="369332"/>
+            <a:ext cx="3907673" cy="369332"/>
           </a:xfrm>
           <a:prstGeom prst="rect">
             <a:avLst/>
@@ -10581,13 +11297,18 @@
               <a:buChar char="•"/>
             </a:pPr>
             <a:r>
-              <a:rPr lang="en-US" altLang="ko-KR"/>
-              <a:t>range</a:t>
-            </a:r>
-            <a:r>
-              <a:rPr lang="ko-KR" altLang="en-US"/>
-              <a:t>쿼리는 범위를 지정하여 특정 값의 범위 이내에 있는 경우를 검색할 때 사용</a:t>
-            </a:r>
+              <a:rPr lang="ko-KR" altLang="en-US" smtClean="0"/>
+              <a:t>둘 이상의 </a:t>
+            </a:r>
+            <a:r>
+              <a:rPr lang="en-US" altLang="ko-KR" smtClean="0"/>
+              <a:t>term</a:t>
+            </a:r>
+            <a:r>
+              <a:rPr lang="ko-KR" altLang="en-US" smtClean="0"/>
+              <a:t>을 검색할 때 사용</a:t>
+            </a:r>
+            <a:endParaRPr lang="ko-KR" altLang="en-US"/>
           </a:p>
         </p:txBody>
       </p:sp>
@@ -10600,7 +11321,7 @@
         <p:spPr>
           <a:xfrm>
             <a:off x="491489" y="2465340"/>
-            <a:ext cx="11234345" cy="3910060"/>
+            <a:ext cx="11234345" cy="3468275"/>
           </a:xfrm>
           <a:prstGeom prst="roundRect">
             <a:avLst/>
@@ -10658,31 +11379,13 @@
           <a:p>
             <a:r>
               <a:rPr lang="en-US" altLang="ko-KR"/>
-              <a:t>    "range": { </a:t>
-            </a:r>
-          </a:p>
-          <a:p>
-            <a:r>
-              <a:rPr lang="en-US" altLang="ko-KR"/>
-              <a:t>      "release_date": {</a:t>
-            </a:r>
-          </a:p>
-          <a:p>
-            <a:r>
-              <a:rPr lang="en-US" altLang="ko-KR"/>
-              <a:t>        "gte": "2015/01/01",</a:t>
-            </a:r>
-          </a:p>
-          <a:p>
-            <a:r>
-              <a:rPr lang="en-US" altLang="ko-KR"/>
-              <a:t>        "lte": "2015/12/31"</a:t>
-            </a:r>
-          </a:p>
-          <a:p>
-            <a:r>
-              <a:rPr lang="en-US" altLang="ko-KR"/>
-              <a:t>      }</a:t>
+              <a:t>    "terms": { </a:t>
+            </a:r>
+          </a:p>
+          <a:p>
+            <a:r>
+              <a:rPr lang="en-US" altLang="ko-KR"/>
+              <a:t>      "title": ["linux", "development"]</a:t>
             </a:r>
           </a:p>
           <a:p>
@@ -10708,7 +11411,7 @@
     </p:spTree>
     <p:extLst>
       <p:ext uri="{BB962C8B-B14F-4D97-AF65-F5344CB8AC3E}">
-        <p14:creationId xmlns:p14="http://schemas.microsoft.com/office/powerpoint/2010/main" val="565891777"/>
+        <p14:creationId xmlns:p14="http://schemas.microsoft.com/office/powerpoint/2010/main" val="2157158556"/>
       </p:ext>
     </p:extLst>
   </p:cSld>
@@ -11050,15 +11753,7 @@
             <a:pPr algn="ctr"/>
             <a:r>
               <a:rPr lang="en-US" altLang="ko-KR" smtClean="0"/>
-              <a:t>“You </a:t>
-            </a:r>
-            <a:r>
-              <a:rPr lang="en-US" altLang="ko-KR" smtClean="0"/>
-              <a:t>are a girl</a:t>
-            </a:r>
-            <a:r>
-              <a:rPr lang="en-US" altLang="ko-KR" smtClean="0"/>
-              <a:t>”</a:t>
+              <a:t>“You are a girl”</a:t>
             </a:r>
             <a:endParaRPr lang="ko-KR" altLang="en-US"/>
           </a:p>
@@ -11562,7 +12257,7 @@
         <p:spPr>
           <a:xfrm>
             <a:off x="491490" y="948774"/>
-            <a:ext cx="1796133" cy="369332"/>
+            <a:ext cx="1354410" cy="369332"/>
           </a:xfrm>
           <a:prstGeom prst="rect">
             <a:avLst/>
@@ -11577,7 +12272,7 @@
           <a:p>
             <a:r>
               <a:rPr lang="en-US" altLang="ko-KR" b="1"/>
-              <a:t>whildcard </a:t>
+              <a:t>range </a:t>
             </a:r>
             <a:r>
               <a:rPr lang="ko-KR" altLang="en-US" b="1"/>
@@ -11595,7 +12290,7 @@
         <p:spPr>
           <a:xfrm>
             <a:off x="623843" y="1486763"/>
-            <a:ext cx="5920595" cy="923330"/>
+            <a:ext cx="8895384" cy="369332"/>
           </a:xfrm>
           <a:prstGeom prst="rect">
             <a:avLst/>
@@ -11613,55 +12308,13 @@
               <a:buChar char="•"/>
             </a:pPr>
             <a:r>
+              <a:rPr lang="en-US" altLang="ko-KR"/>
+              <a:t>range</a:t>
+            </a:r>
+            <a:r>
               <a:rPr lang="ko-KR" altLang="en-US"/>
-              <a:t>와일드카드를 이용한 풀 스캔 검색이 가능한 쿼리</a:t>
-            </a:r>
-          </a:p>
-          <a:p>
-            <a:pPr marL="285750" indent="-285750">
-              <a:buFont typeface="Arial" panose="020B0604020202020204" pitchFamily="34" charset="0"/>
-              <a:buChar char="•"/>
-            </a:pPr>
-            <a:r>
-              <a:rPr lang="en-US" altLang="ko-KR"/>
-              <a:t>text </a:t>
-            </a:r>
-            <a:r>
-              <a:rPr lang="ko-KR" altLang="en-US"/>
-              <a:t>필드가 아닌 </a:t>
-            </a:r>
-            <a:r>
-              <a:rPr lang="en-US" altLang="ko-KR"/>
-              <a:t>keyword </a:t>
-            </a:r>
-            <a:r>
-              <a:rPr lang="ko-KR" altLang="en-US"/>
-              <a:t>타입의 쿼리에 </a:t>
-            </a:r>
-            <a:r>
-              <a:rPr lang="ko-KR" altLang="en-US" smtClean="0"/>
-              <a:t>사용해야함</a:t>
-            </a:r>
-            <a:endParaRPr lang="en-US" altLang="ko-KR" smtClean="0"/>
-          </a:p>
-          <a:p>
-            <a:pPr marL="285750" indent="-285750">
-              <a:buFont typeface="Arial" panose="020B0604020202020204" pitchFamily="34" charset="0"/>
-              <a:buChar char="•"/>
-            </a:pPr>
-            <a:r>
-              <a:rPr lang="ko-KR" altLang="en-US" smtClean="0"/>
-              <a:t>가능하다면 </a:t>
-            </a:r>
-            <a:r>
-              <a:rPr lang="en-US" altLang="ko-KR" smtClean="0"/>
-              <a:t>match </a:t>
-            </a:r>
-            <a:r>
-              <a:rPr lang="ko-KR" altLang="en-US" smtClean="0"/>
-              <a:t>쿼리로 변환해서 사용할 것</a:t>
-            </a:r>
-            <a:endParaRPr lang="ko-KR" altLang="en-US"/>
+              <a:t>쿼리는 범위를 지정하여 특정 값의 범위 이내에 있는 경우를 검색할 때 사용</a:t>
+            </a:r>
           </a:p>
         </p:txBody>
       </p:sp>
@@ -11673,8 +12326,8 @@
         </p:nvSpPr>
         <p:spPr>
           <a:xfrm>
-            <a:off x="491489" y="2899766"/>
-            <a:ext cx="11234345" cy="2875831"/>
+            <a:off x="491489" y="2465340"/>
+            <a:ext cx="11234345" cy="3910060"/>
           </a:xfrm>
           <a:prstGeom prst="roundRect">
             <a:avLst/>
@@ -11732,13 +12385,31 @@
           <a:p>
             <a:r>
               <a:rPr lang="en-US" altLang="ko-KR"/>
-              <a:t>    "wildcard": { </a:t>
-            </a:r>
-          </a:p>
-          <a:p>
-            <a:r>
-              <a:rPr lang="en-US" altLang="ko-KR"/>
-              <a:t>      "publisher.keyword": "*Media*"</a:t>
+              <a:t>    "range": { </a:t>
+            </a:r>
+          </a:p>
+          <a:p>
+            <a:r>
+              <a:rPr lang="en-US" altLang="ko-KR"/>
+              <a:t>      "release_date": {</a:t>
+            </a:r>
+          </a:p>
+          <a:p>
+            <a:r>
+              <a:rPr lang="en-US" altLang="ko-KR"/>
+              <a:t>        "gte": "2015/01/01",</a:t>
+            </a:r>
+          </a:p>
+          <a:p>
+            <a:r>
+              <a:rPr lang="en-US" altLang="ko-KR"/>
+              <a:t>        "lte": "2015/12/31"</a:t>
+            </a:r>
+          </a:p>
+          <a:p>
+            <a:r>
+              <a:rPr lang="en-US" altLang="ko-KR"/>
+              <a:t>      }</a:t>
             </a:r>
           </a:p>
           <a:p>
@@ -11764,7 +12435,7 @@
     </p:spTree>
     <p:extLst>
       <p:ext uri="{BB962C8B-B14F-4D97-AF65-F5344CB8AC3E}">
-        <p14:creationId xmlns:p14="http://schemas.microsoft.com/office/powerpoint/2010/main" val="1545845982"/>
+        <p14:creationId xmlns:p14="http://schemas.microsoft.com/office/powerpoint/2010/main" val="565891777"/>
       </p:ext>
     </p:extLst>
   </p:cSld>
@@ -11954,7 +12625,7 @@
         <p:spPr>
           <a:xfrm>
             <a:off x="491490" y="948774"/>
-            <a:ext cx="3176191" cy="369332"/>
+            <a:ext cx="1796133" cy="369332"/>
           </a:xfrm>
           <a:prstGeom prst="rect">
             <a:avLst/>
@@ -11968,14 +12639,13 @@
           <a:lstStyle/>
           <a:p>
             <a:r>
-              <a:rPr lang="en-US" altLang="ko-KR" b="1" smtClean="0"/>
-              <a:t>bool query</a:t>
-            </a:r>
-            <a:r>
-              <a:rPr lang="ko-KR" altLang="en-US" b="1" smtClean="0"/>
-              <a:t>로 쿼리 조합하기</a:t>
-            </a:r>
-            <a:endParaRPr lang="ko-KR" altLang="en-US" b="1"/>
+              <a:rPr lang="en-US" altLang="ko-KR" b="1"/>
+              <a:t>whildcard </a:t>
+            </a:r>
+            <a:r>
+              <a:rPr lang="ko-KR" altLang="en-US" b="1"/>
+              <a:t>쿼리</a:t>
+            </a:r>
           </a:p>
         </p:txBody>
       </p:sp>
@@ -11988,7 +12658,7 @@
         <p:spPr>
           <a:xfrm>
             <a:off x="623843" y="1486763"/>
-            <a:ext cx="6122574" cy="369332"/>
+            <a:ext cx="5920595" cy="923330"/>
           </a:xfrm>
           <a:prstGeom prst="rect">
             <a:avLst/>
@@ -12006,62 +12676,10 @@
               <a:buChar char="•"/>
             </a:pPr>
             <a:r>
-              <a:rPr lang="en-US" altLang="ko-KR" smtClean="0"/>
-              <a:t>bool query</a:t>
-            </a:r>
-            <a:r>
-              <a:rPr lang="ko-KR" altLang="en-US" smtClean="0"/>
-              <a:t>를 사용해 조합된 검색식을 사용할 수 있음</a:t>
-            </a:r>
-            <a:endParaRPr lang="ko-KR" altLang="en-US"/>
-          </a:p>
-        </p:txBody>
-      </p:sp>
-      <p:pic>
-        <p:nvPicPr>
-          <p:cNvPr id="4" name="그림 3"/>
-          <p:cNvPicPr>
-            <a:picLocks noChangeAspect="1"/>
-          </p:cNvPicPr>
-          <p:nvPr/>
-        </p:nvPicPr>
-        <p:blipFill>
-          <a:blip r:embed="rId5"/>
-          <a:stretch>
-            <a:fillRect/>
-          </a:stretch>
-        </p:blipFill>
-        <p:spPr>
-          <a:xfrm>
-            <a:off x="491490" y="2024752"/>
-            <a:ext cx="7351406" cy="2384878"/>
-          </a:xfrm>
-          <a:prstGeom prst="rect">
-            <a:avLst/>
-          </a:prstGeom>
-        </p:spPr>
-      </p:pic>
-      <p:sp>
-        <p:nvSpPr>
-          <p:cNvPr id="13" name="TextBox 12"/>
-          <p:cNvSpPr txBox="1"/>
-          <p:nvPr/>
-        </p:nvSpPr>
-        <p:spPr>
-          <a:xfrm>
-            <a:off x="623843" y="4663745"/>
-            <a:ext cx="4968604" cy="923330"/>
-          </a:xfrm>
-          <a:prstGeom prst="rect">
-            <a:avLst/>
-          </a:prstGeom>
-          <a:noFill/>
-        </p:spPr>
-        <p:txBody>
-          <a:bodyPr wrap="none" rtlCol="0">
-            <a:spAutoFit/>
-          </a:bodyPr>
-          <a:lstStyle/>
+              <a:rPr lang="ko-KR" altLang="en-US"/>
+              <a:t>와일드카드를 이용한 풀 스캔 검색이 가능한 쿼리</a:t>
+            </a:r>
+          </a:p>
           <a:p>
             <a:pPr marL="285750" indent="-285750">
               <a:buFont typeface="Arial" panose="020B0604020202020204" pitchFamily="34" charset="0"/>
@@ -12069,23 +12687,23 @@
             </a:pPr>
             <a:r>
               <a:rPr lang="en-US" altLang="ko-KR"/>
-              <a:t>must, should</a:t>
+              <a:t>text </a:t>
             </a:r>
             <a:r>
               <a:rPr lang="ko-KR" altLang="en-US"/>
-              <a:t>는 </a:t>
-            </a:r>
-            <a:r>
-              <a:rPr lang="en-US" altLang="ko-KR"/>
-              <a:t>Query Context</a:t>
+              <a:t>필드가 아닌 </a:t>
+            </a:r>
+            <a:r>
+              <a:rPr lang="en-US" altLang="ko-KR"/>
+              <a:t>keyword </a:t>
             </a:r>
             <a:r>
               <a:rPr lang="ko-KR" altLang="en-US"/>
-              <a:t>에서 </a:t>
-            </a:r>
-            <a:r>
-              <a:rPr lang="ko-KR" altLang="en-US" smtClean="0"/>
-              <a:t>실행</a:t>
+              <a:t>타입의 쿼리에 </a:t>
+            </a:r>
+            <a:r>
+              <a:rPr lang="ko-KR" altLang="en-US" smtClean="0"/>
+              <a:t>사용해야함</a:t>
             </a:r>
             <a:endParaRPr lang="en-US" altLang="ko-KR" smtClean="0"/>
           </a:p>
@@ -12095,44 +12713,121 @@
               <a:buChar char="•"/>
             </a:pPr>
             <a:r>
+              <a:rPr lang="ko-KR" altLang="en-US" smtClean="0"/>
+              <a:t>가능하다면 </a:t>
+            </a:r>
+            <a:r>
               <a:rPr lang="en-US" altLang="ko-KR" smtClean="0"/>
-              <a:t>filter</a:t>
-            </a:r>
-            <a:r>
-              <a:rPr lang="en-US" altLang="ko-KR"/>
-              <a:t>, must_not</a:t>
-            </a:r>
-            <a:r>
-              <a:rPr lang="ko-KR" altLang="en-US"/>
-              <a:t>은 </a:t>
-            </a:r>
-            <a:r>
-              <a:rPr lang="en-US" altLang="ko-KR"/>
-              <a:t>Filter Context</a:t>
-            </a:r>
-            <a:r>
-              <a:rPr lang="ko-KR" altLang="en-US"/>
-              <a:t>에서 </a:t>
-            </a:r>
-            <a:r>
-              <a:rPr lang="ko-KR" altLang="en-US" smtClean="0"/>
-              <a:t>실행됨</a:t>
-            </a:r>
-            <a:endParaRPr lang="en-US" altLang="ko-KR" smtClean="0"/>
-          </a:p>
-          <a:p>
-            <a:pPr marL="285750" indent="-285750">
-              <a:buFont typeface="Arial" panose="020B0604020202020204" pitchFamily="34" charset="0"/>
-              <a:buChar char="•"/>
-            </a:pPr>
+              <a:t>match </a:t>
+            </a:r>
+            <a:r>
+              <a:rPr lang="ko-KR" altLang="en-US" smtClean="0"/>
+              <a:t>쿼리로 변환해서 사용할 것</a:t>
+            </a:r>
             <a:endParaRPr lang="ko-KR" altLang="en-US"/>
+          </a:p>
+        </p:txBody>
+      </p:sp>
+      <p:sp>
+        <p:nvSpPr>
+          <p:cNvPr id="10" name="모서리가 둥근 직사각형 9"/>
+          <p:cNvSpPr/>
+          <p:nvPr/>
+        </p:nvSpPr>
+        <p:spPr>
+          <a:xfrm>
+            <a:off x="491489" y="2899766"/>
+            <a:ext cx="11234345" cy="2875831"/>
+          </a:xfrm>
+          <a:prstGeom prst="roundRect">
+            <a:avLst/>
+          </a:prstGeom>
+          <a:solidFill>
+            <a:schemeClr val="tx1">
+              <a:lumMod val="65000"/>
+              <a:lumOff val="35000"/>
+            </a:schemeClr>
+          </a:solidFill>
+        </p:spPr>
+        <p:style>
+          <a:lnRef idx="2">
+            <a:schemeClr val="accent1">
+              <a:shade val="50000"/>
+            </a:schemeClr>
+          </a:lnRef>
+          <a:fillRef idx="1">
+            <a:schemeClr val="accent1"/>
+          </a:fillRef>
+          <a:effectRef idx="0">
+            <a:schemeClr val="accent1"/>
+          </a:effectRef>
+          <a:fontRef idx="minor">
+            <a:schemeClr val="lt1"/>
+          </a:fontRef>
+        </p:style>
+        <p:txBody>
+          <a:bodyPr rtlCol="0" anchor="ctr"/>
+          <a:lstStyle/>
+          <a:p>
+            <a:r>
+              <a:rPr lang="en-US" altLang="ko-KR"/>
+              <a:t>curl -X GET "localhost:9200/book_data/_search?pretty" \</a:t>
+            </a:r>
+          </a:p>
+          <a:p>
+            <a:r>
+              <a:rPr lang="en-US" altLang="ko-KR"/>
+              <a:t>-H 'Content-Type: application/json' \</a:t>
+            </a:r>
+          </a:p>
+          <a:p>
+            <a:r>
+              <a:rPr lang="en-US" altLang="ko-KR"/>
+              <a:t>-d '{</a:t>
+            </a:r>
+          </a:p>
+          <a:p>
+            <a:r>
+              <a:rPr lang="en-US" altLang="ko-KR"/>
+              <a:t>  "query": {</a:t>
+            </a:r>
+          </a:p>
+          <a:p>
+            <a:r>
+              <a:rPr lang="en-US" altLang="ko-KR"/>
+              <a:t>    "wildcard": { </a:t>
+            </a:r>
+          </a:p>
+          <a:p>
+            <a:r>
+              <a:rPr lang="en-US" altLang="ko-KR"/>
+              <a:t>      "publisher.keyword": "*Media*"</a:t>
+            </a:r>
+          </a:p>
+          <a:p>
+            <a:r>
+              <a:rPr lang="en-US" altLang="ko-KR"/>
+              <a:t>    }</a:t>
+            </a:r>
+          </a:p>
+          <a:p>
+            <a:r>
+              <a:rPr lang="en-US" altLang="ko-KR"/>
+              <a:t>  }</a:t>
+            </a:r>
+          </a:p>
+          <a:p>
+            <a:r>
+              <a:rPr lang="en-US" altLang="ko-KR"/>
+              <a:t>}'</a:t>
+            </a:r>
           </a:p>
         </p:txBody>
       </p:sp>
     </p:spTree>
     <p:extLst>
       <p:ext uri="{BB962C8B-B14F-4D97-AF65-F5344CB8AC3E}">
-        <p14:creationId xmlns:p14="http://schemas.microsoft.com/office/powerpoint/2010/main" val="2040838966"/>
+        <p14:creationId xmlns:p14="http://schemas.microsoft.com/office/powerpoint/2010/main" val="1545845982"/>
       </p:ext>
     </p:extLst>
   </p:cSld>
@@ -12349,6 +13044,374 @@
       </p:sp>
       <p:sp>
         <p:nvSpPr>
+          <p:cNvPr id="11" name="TextBox 10"/>
+          <p:cNvSpPr txBox="1"/>
+          <p:nvPr/>
+        </p:nvSpPr>
+        <p:spPr>
+          <a:xfrm>
+            <a:off x="623843" y="1486763"/>
+            <a:ext cx="6122574" cy="369332"/>
+          </a:xfrm>
+          <a:prstGeom prst="rect">
+            <a:avLst/>
+          </a:prstGeom>
+          <a:noFill/>
+        </p:spPr>
+        <p:txBody>
+          <a:bodyPr wrap="none" rtlCol="0">
+            <a:spAutoFit/>
+          </a:bodyPr>
+          <a:lstStyle/>
+          <a:p>
+            <a:pPr marL="285750" indent="-285750">
+              <a:buFont typeface="Arial" panose="020B0604020202020204" pitchFamily="34" charset="0"/>
+              <a:buChar char="•"/>
+            </a:pPr>
+            <a:r>
+              <a:rPr lang="en-US" altLang="ko-KR" smtClean="0"/>
+              <a:t>bool query</a:t>
+            </a:r>
+            <a:r>
+              <a:rPr lang="ko-KR" altLang="en-US" smtClean="0"/>
+              <a:t>를 사용해 조합된 검색식을 사용할 수 있음</a:t>
+            </a:r>
+            <a:endParaRPr lang="ko-KR" altLang="en-US"/>
+          </a:p>
+        </p:txBody>
+      </p:sp>
+      <p:pic>
+        <p:nvPicPr>
+          <p:cNvPr id="4" name="그림 3"/>
+          <p:cNvPicPr>
+            <a:picLocks noChangeAspect="1"/>
+          </p:cNvPicPr>
+          <p:nvPr/>
+        </p:nvPicPr>
+        <p:blipFill>
+          <a:blip r:embed="rId5"/>
+          <a:stretch>
+            <a:fillRect/>
+          </a:stretch>
+        </p:blipFill>
+        <p:spPr>
+          <a:xfrm>
+            <a:off x="491490" y="2024752"/>
+            <a:ext cx="7351406" cy="2384878"/>
+          </a:xfrm>
+          <a:prstGeom prst="rect">
+            <a:avLst/>
+          </a:prstGeom>
+        </p:spPr>
+      </p:pic>
+      <p:sp>
+        <p:nvSpPr>
+          <p:cNvPr id="13" name="TextBox 12"/>
+          <p:cNvSpPr txBox="1"/>
+          <p:nvPr/>
+        </p:nvSpPr>
+        <p:spPr>
+          <a:xfrm>
+            <a:off x="623843" y="4663745"/>
+            <a:ext cx="4968604" cy="923330"/>
+          </a:xfrm>
+          <a:prstGeom prst="rect">
+            <a:avLst/>
+          </a:prstGeom>
+          <a:noFill/>
+        </p:spPr>
+        <p:txBody>
+          <a:bodyPr wrap="none" rtlCol="0">
+            <a:spAutoFit/>
+          </a:bodyPr>
+          <a:lstStyle/>
+          <a:p>
+            <a:pPr marL="285750" indent="-285750">
+              <a:buFont typeface="Arial" panose="020B0604020202020204" pitchFamily="34" charset="0"/>
+              <a:buChar char="•"/>
+            </a:pPr>
+            <a:r>
+              <a:rPr lang="en-US" altLang="ko-KR"/>
+              <a:t>must, should</a:t>
+            </a:r>
+            <a:r>
+              <a:rPr lang="ko-KR" altLang="en-US"/>
+              <a:t>는 </a:t>
+            </a:r>
+            <a:r>
+              <a:rPr lang="en-US" altLang="ko-KR"/>
+              <a:t>Query Context</a:t>
+            </a:r>
+            <a:r>
+              <a:rPr lang="ko-KR" altLang="en-US"/>
+              <a:t>에서 </a:t>
+            </a:r>
+            <a:r>
+              <a:rPr lang="ko-KR" altLang="en-US" smtClean="0"/>
+              <a:t>실행</a:t>
+            </a:r>
+            <a:endParaRPr lang="en-US" altLang="ko-KR" smtClean="0"/>
+          </a:p>
+          <a:p>
+            <a:pPr marL="285750" indent="-285750">
+              <a:buFont typeface="Arial" panose="020B0604020202020204" pitchFamily="34" charset="0"/>
+              <a:buChar char="•"/>
+            </a:pPr>
+            <a:r>
+              <a:rPr lang="en-US" altLang="ko-KR" smtClean="0"/>
+              <a:t>filter</a:t>
+            </a:r>
+            <a:r>
+              <a:rPr lang="en-US" altLang="ko-KR"/>
+              <a:t>, must_not</a:t>
+            </a:r>
+            <a:r>
+              <a:rPr lang="ko-KR" altLang="en-US"/>
+              <a:t>은 </a:t>
+            </a:r>
+            <a:r>
+              <a:rPr lang="en-US" altLang="ko-KR"/>
+              <a:t>Filter Context</a:t>
+            </a:r>
+            <a:r>
+              <a:rPr lang="ko-KR" altLang="en-US"/>
+              <a:t>에서 </a:t>
+            </a:r>
+            <a:r>
+              <a:rPr lang="ko-KR" altLang="en-US" smtClean="0"/>
+              <a:t>실행됨</a:t>
+            </a:r>
+            <a:endParaRPr lang="en-US" altLang="ko-KR" smtClean="0"/>
+          </a:p>
+          <a:p>
+            <a:pPr marL="285750" indent="-285750">
+              <a:buFont typeface="Arial" panose="020B0604020202020204" pitchFamily="34" charset="0"/>
+              <a:buChar char="•"/>
+            </a:pPr>
+            <a:endParaRPr lang="ko-KR" altLang="en-US"/>
+          </a:p>
+        </p:txBody>
+      </p:sp>
+    </p:spTree>
+    <p:extLst>
+      <p:ext uri="{BB962C8B-B14F-4D97-AF65-F5344CB8AC3E}">
+        <p14:creationId xmlns:p14="http://schemas.microsoft.com/office/powerpoint/2010/main" val="2040838966"/>
+      </p:ext>
+    </p:extLst>
+  </p:cSld>
+  <p:clrMapOvr>
+    <a:masterClrMapping/>
+  </p:clrMapOvr>
+  <p:timing>
+    <p:tnLst>
+      <p:par>
+        <p:cTn id="1" dur="indefinite" restart="never" nodeType="tmRoot"/>
+      </p:par>
+    </p:tnLst>
+  </p:timing>
+</p:sld>
+</file>
+
+<file path=ppt/slides/slide33.xml><?xml version="1.0" encoding="utf-8"?>
+<p:sld xmlns:a="http://schemas.openxmlformats.org/drawingml/2006/main" xmlns:r="http://schemas.openxmlformats.org/officeDocument/2006/relationships" xmlns:p="http://schemas.openxmlformats.org/presentationml/2006/main">
+  <p:cSld>
+    <p:spTree>
+      <p:nvGrpSpPr>
+        <p:cNvPr id="1" name=""/>
+        <p:cNvGrpSpPr/>
+        <p:nvPr/>
+      </p:nvGrpSpPr>
+      <p:grpSpPr>
+        <a:xfrm>
+          <a:off x="0" y="0"/>
+          <a:ext cx="0" cy="0"/>
+          <a:chOff x="0" y="0"/>
+          <a:chExt cx="0" cy="0"/>
+        </a:xfrm>
+      </p:grpSpPr>
+      <p:pic>
+        <p:nvPicPr>
+          <p:cNvPr id="12" name="그림 11"/>
+          <p:cNvPicPr>
+            <a:picLocks noChangeAspect="1"/>
+          </p:cNvPicPr>
+          <p:nvPr/>
+        </p:nvPicPr>
+        <p:blipFill rotWithShape="1">
+          <a:blip r:embed="rId2"/>
+          <a:srcRect l="-1" r="-1565" b="58800"/>
+          <a:stretch/>
+        </p:blipFill>
+        <p:spPr>
+          <a:xfrm>
+            <a:off x="1" y="0"/>
+            <a:ext cx="3002142" cy="1546789"/>
+          </a:xfrm>
+          <a:prstGeom prst="rect">
+            <a:avLst/>
+          </a:prstGeom>
+        </p:spPr>
+      </p:pic>
+      <p:cxnSp>
+        <p:nvCxnSpPr>
+          <p:cNvPr id="6" name="직선 연결선 5"/>
+          <p:cNvCxnSpPr/>
+          <p:nvPr/>
+        </p:nvCxnSpPr>
+        <p:spPr>
+          <a:xfrm>
+            <a:off x="0" y="720090"/>
+            <a:ext cx="12192000" cy="0"/>
+          </a:xfrm>
+          <a:prstGeom prst="line">
+            <a:avLst/>
+          </a:prstGeom>
+          <a:ln>
+            <a:solidFill>
+              <a:schemeClr val="tx1">
+                <a:lumMod val="75000"/>
+                <a:lumOff val="25000"/>
+              </a:schemeClr>
+            </a:solidFill>
+          </a:ln>
+        </p:spPr>
+        <p:style>
+          <a:lnRef idx="1">
+            <a:schemeClr val="accent1"/>
+          </a:lnRef>
+          <a:fillRef idx="0">
+            <a:schemeClr val="accent1"/>
+          </a:fillRef>
+          <a:effectRef idx="0">
+            <a:schemeClr val="accent1"/>
+          </a:effectRef>
+          <a:fontRef idx="minor">
+            <a:schemeClr val="tx1"/>
+          </a:fontRef>
+        </p:style>
+      </p:cxnSp>
+      <p:pic>
+        <p:nvPicPr>
+          <p:cNvPr id="2" name="그림 1"/>
+          <p:cNvPicPr>
+            <a:picLocks noChangeAspect="1"/>
+          </p:cNvPicPr>
+          <p:nvPr/>
+        </p:nvPicPr>
+        <p:blipFill>
+          <a:blip r:embed="rId3"/>
+          <a:stretch>
+            <a:fillRect/>
+          </a:stretch>
+        </p:blipFill>
+        <p:spPr>
+          <a:xfrm>
+            <a:off x="10177290" y="84725"/>
+            <a:ext cx="1888199" cy="635365"/>
+          </a:xfrm>
+          <a:prstGeom prst="rect">
+            <a:avLst/>
+          </a:prstGeom>
+        </p:spPr>
+      </p:pic>
+      <p:pic>
+        <p:nvPicPr>
+          <p:cNvPr id="17" name="그림 16"/>
+          <p:cNvPicPr>
+            <a:picLocks noChangeAspect="1"/>
+          </p:cNvPicPr>
+          <p:nvPr/>
+        </p:nvPicPr>
+        <p:blipFill>
+          <a:blip r:embed="rId4"/>
+          <a:stretch>
+            <a:fillRect/>
+          </a:stretch>
+        </p:blipFill>
+        <p:spPr>
+          <a:xfrm>
+            <a:off x="10177290" y="4743156"/>
+            <a:ext cx="1957660" cy="2114844"/>
+          </a:xfrm>
+          <a:prstGeom prst="rect">
+            <a:avLst/>
+          </a:prstGeom>
+        </p:spPr>
+      </p:pic>
+      <p:sp>
+        <p:nvSpPr>
+          <p:cNvPr id="3" name="직사각형 2"/>
+          <p:cNvSpPr/>
+          <p:nvPr/>
+        </p:nvSpPr>
+        <p:spPr>
+          <a:xfrm>
+            <a:off x="255769" y="117861"/>
+            <a:ext cx="1566839" cy="507831"/>
+          </a:xfrm>
+          <a:prstGeom prst="rect">
+            <a:avLst/>
+          </a:prstGeom>
+        </p:spPr>
+        <p:txBody>
+          <a:bodyPr wrap="none">
+            <a:spAutoFit/>
+          </a:bodyPr>
+          <a:lstStyle/>
+          <a:p>
+            <a:pPr>
+              <a:lnSpc>
+                <a:spcPct val="150000"/>
+              </a:lnSpc>
+            </a:pPr>
+            <a:r>
+              <a:rPr lang="en-US" altLang="ko-KR"/>
+              <a:t>4</a:t>
+            </a:r>
+            <a:r>
+              <a:rPr lang="en-US" altLang="ko-KR" smtClean="0"/>
+              <a:t>. Query DSL</a:t>
+            </a:r>
+            <a:endParaRPr lang="en-US" altLang="ko-KR"/>
+          </a:p>
+        </p:txBody>
+      </p:sp>
+      <p:sp>
+        <p:nvSpPr>
+          <p:cNvPr id="14" name="TextBox 13"/>
+          <p:cNvSpPr txBox="1"/>
+          <p:nvPr/>
+        </p:nvSpPr>
+        <p:spPr>
+          <a:xfrm>
+            <a:off x="491490" y="948774"/>
+            <a:ext cx="3176191" cy="369332"/>
+          </a:xfrm>
+          <a:prstGeom prst="rect">
+            <a:avLst/>
+          </a:prstGeom>
+          <a:noFill/>
+        </p:spPr>
+        <p:txBody>
+          <a:bodyPr wrap="none" rtlCol="0">
+            <a:spAutoFit/>
+          </a:bodyPr>
+          <a:lstStyle/>
+          <a:p>
+            <a:r>
+              <a:rPr lang="en-US" altLang="ko-KR" b="1" smtClean="0"/>
+              <a:t>bool query</a:t>
+            </a:r>
+            <a:r>
+              <a:rPr lang="ko-KR" altLang="en-US" b="1" smtClean="0"/>
+              <a:t>로 쿼리 조합하기</a:t>
+            </a:r>
+            <a:endParaRPr lang="ko-KR" altLang="en-US" b="1"/>
+          </a:p>
+        </p:txBody>
+      </p:sp>
+      <p:sp>
+        <p:nvSpPr>
           <p:cNvPr id="15" name="모서리가 둥근 직사각형 14"/>
           <p:cNvSpPr/>
           <p:nvPr/>
@@ -12573,7 +13636,7 @@
 </p:sld>
 </file>
 
-<file path=ppt/slides/slide33.xml><?xml version="1.0" encoding="utf-8"?>
+<file path=ppt/slides/slide34.xml><?xml version="1.0" encoding="utf-8"?>
 <p:sld xmlns:a="http://schemas.openxmlformats.org/drawingml/2006/main" xmlns:r="http://schemas.openxmlformats.org/officeDocument/2006/relationships" xmlns:p="http://schemas.openxmlformats.org/presentationml/2006/main">
   <p:cSld>
     <p:spTree>
@@ -14150,11 +15213,7 @@
             </a:pPr>
             <a:r>
               <a:rPr lang="en-US" altLang="ko-KR"/>
-              <a:t>https</a:t>
-            </a:r>
-            <a:r>
-              <a:rPr lang="en-US" altLang="ko-KR"/>
-              <a:t>://</a:t>
+              <a:t>https://</a:t>
             </a:r>
             <a:r>
               <a:rPr lang="en-US" altLang="ko-KR" smtClean="0"/>
@@ -15555,11 +16614,7 @@
             </a:r>
             <a:r>
               <a:rPr lang="en-US" altLang="ko-KR"/>
-              <a:t>0 ... </a:t>
-            </a:r>
-            <a:r>
-              <a:rPr lang="en-US" altLang="ko-KR"/>
-              <a:t>N</a:t>
+              <a:t>0 ... N</a:t>
             </a:r>
             <a:r>
               <a:rPr lang="ko-KR" altLang="en-US" smtClean="0"/>
@@ -16467,22 +17522,22 @@
               <a:buChar char="•"/>
             </a:pPr>
             <a:r>
-              <a:rPr lang="en-US" altLang="ko-KR" smtClean="0"/>
+              <a:rPr lang="en-US" altLang="ko-KR"/>
               <a:t>Standard Analyzer</a:t>
             </a:r>
             <a:r>
-              <a:rPr lang="ko-KR" altLang="en-US" smtClean="0"/>
+              <a:rPr lang="ko-KR" altLang="en-US"/>
               <a:t>에서 </a:t>
             </a:r>
             <a:r>
-              <a:rPr lang="en-US" altLang="ko-KR" smtClean="0"/>
+              <a:rPr lang="en-US" altLang="ko-KR"/>
               <a:t>Standard Token Filter</a:t>
             </a:r>
             <a:r>
-              <a:rPr lang="ko-KR" altLang="en-US" smtClean="0"/>
+              <a:rPr lang="ko-KR" altLang="en-US"/>
               <a:t>는 향후 개발되는 버전을 대비해 현재 아무런 작업을 하지 않음</a:t>
             </a:r>
-            <a:endParaRPr lang="en-US" altLang="ko-KR" smtClean="0"/>
+            <a:endParaRPr lang="en-US" altLang="ko-KR"/>
           </a:p>
           <a:p>
             <a:pPr marL="285750" indent="-285750">
@@ -16502,34 +17557,6 @@
               <a:t>는 기본적으로 비활성화</a:t>
             </a:r>
             <a:endParaRPr lang="en-US" altLang="ko-KR"/>
-          </a:p>
-        </p:txBody>
-      </p:sp>
-      <p:sp>
-        <p:nvSpPr>
-          <p:cNvPr id="7" name="직사각형 6"/>
-          <p:cNvSpPr/>
-          <p:nvPr/>
-        </p:nvSpPr>
-        <p:spPr>
-          <a:xfrm>
-            <a:off x="6038950" y="773394"/>
-            <a:ext cx="6096000" cy="923330"/>
-          </a:xfrm>
-          <a:prstGeom prst="rect">
-            <a:avLst/>
-          </a:prstGeom>
-        </p:spPr>
-        <p:txBody>
-          <a:bodyPr>
-            <a:spAutoFit/>
-          </a:bodyPr>
-          <a:lstStyle/>
-          <a:p>
-            <a:r>
-              <a:rPr lang="ko-KR" altLang="en-US"/>
-              <a:t>https://www.elastic.co/guide/en/elasticsearch/reference/6.8/analysis-standard-tokenfilter.html#analysis-standard-tokenfilter</a:t>
-            </a:r>
           </a:p>
         </p:txBody>
       </p:sp>
